--- a/public/architecture_creator/template-placeholder.pptx
+++ b/public/architecture_creator/template-placeholder.pptx
@@ -6,6 +6,8 @@
   </p:sldMasterIdLst>
   <p:sldIdLst>
     <p:sldId id="256" r:id="rId2"/>
+    <p:sldId id="257" r:id="rId3"/>
+    <p:sldId id="258" r:id="rId4"/>
   </p:sldIdLst>
   <p:sldSz cx="12192000" cy="6858000"/>
   <p:notesSz cx="6858000" cy="9144000"/>
@@ -104,6 +106,11 @@
       </a:defRPr>
     </a:lvl9pPr>
   </p:defaultTextStyle>
+  <p:extLst>
+    <p:ext uri="{EFAFB233-063F-42B5-8137-9DF3F51BA10A}">
+      <p15:sldGuideLst xmlns:p15="http://schemas.microsoft.com/office/powerpoint/2012/main"/>
+    </p:ext>
+  </p:extLst>
 </p:presentation>
 </file>
 
@@ -254,7 +261,7 @@
           <a:p>
             <a:fld id="{5FC243EB-A3B3-1F41-B77A-665553D1D443}" type="datetimeFigureOut">
               <a:rPr lang="en-US" smtClean="0"/>
-              <a:t>6/8/18</a:t>
+              <a:t>9/5/19</a:t>
             </a:fld>
             <a:endParaRPr lang="en-US"/>
           </a:p>
@@ -452,7 +459,7 @@
           <a:p>
             <a:fld id="{5FC243EB-A3B3-1F41-B77A-665553D1D443}" type="datetimeFigureOut">
               <a:rPr lang="en-US" smtClean="0"/>
-              <a:t>6/8/18</a:t>
+              <a:t>9/5/19</a:t>
             </a:fld>
             <a:endParaRPr lang="en-US"/>
           </a:p>
@@ -660,7 +667,7 @@
           <a:p>
             <a:fld id="{5FC243EB-A3B3-1F41-B77A-665553D1D443}" type="datetimeFigureOut">
               <a:rPr lang="en-US" smtClean="0"/>
-              <a:t>6/8/18</a:t>
+              <a:t>9/5/19</a:t>
             </a:fld>
             <a:endParaRPr lang="en-US"/>
           </a:p>
@@ -858,7 +865,7 @@
           <a:p>
             <a:fld id="{5FC243EB-A3B3-1F41-B77A-665553D1D443}" type="datetimeFigureOut">
               <a:rPr lang="en-US" smtClean="0"/>
-              <a:t>6/8/18</a:t>
+              <a:t>9/5/19</a:t>
             </a:fld>
             <a:endParaRPr lang="en-US"/>
           </a:p>
@@ -1133,7 +1140,7 @@
           <a:p>
             <a:fld id="{5FC243EB-A3B3-1F41-B77A-665553D1D443}" type="datetimeFigureOut">
               <a:rPr lang="en-US" smtClean="0"/>
-              <a:t>6/8/18</a:t>
+              <a:t>9/5/19</a:t>
             </a:fld>
             <a:endParaRPr lang="en-US"/>
           </a:p>
@@ -1398,7 +1405,7 @@
           <a:p>
             <a:fld id="{5FC243EB-A3B3-1F41-B77A-665553D1D443}" type="datetimeFigureOut">
               <a:rPr lang="en-US" smtClean="0"/>
-              <a:t>6/8/18</a:t>
+              <a:t>9/5/19</a:t>
             </a:fld>
             <a:endParaRPr lang="en-US"/>
           </a:p>
@@ -1810,7 +1817,7 @@
           <a:p>
             <a:fld id="{5FC243EB-A3B3-1F41-B77A-665553D1D443}" type="datetimeFigureOut">
               <a:rPr lang="en-US" smtClean="0"/>
-              <a:t>6/8/18</a:t>
+              <a:t>9/5/19</a:t>
             </a:fld>
             <a:endParaRPr lang="en-US"/>
           </a:p>
@@ -1951,7 +1958,7 @@
           <a:p>
             <a:fld id="{5FC243EB-A3B3-1F41-B77A-665553D1D443}" type="datetimeFigureOut">
               <a:rPr lang="en-US" smtClean="0"/>
-              <a:t>6/8/18</a:t>
+              <a:t>9/5/19</a:t>
             </a:fld>
             <a:endParaRPr lang="en-US"/>
           </a:p>
@@ -2064,7 +2071,7 @@
           <a:p>
             <a:fld id="{5FC243EB-A3B3-1F41-B77A-665553D1D443}" type="datetimeFigureOut">
               <a:rPr lang="en-US" smtClean="0"/>
-              <a:t>6/8/18</a:t>
+              <a:t>9/5/19</a:t>
             </a:fld>
             <a:endParaRPr lang="en-US"/>
           </a:p>
@@ -2375,7 +2382,7 @@
           <a:p>
             <a:fld id="{5FC243EB-A3B3-1F41-B77A-665553D1D443}" type="datetimeFigureOut">
               <a:rPr lang="en-US" smtClean="0"/>
-              <a:t>6/8/18</a:t>
+              <a:t>9/5/19</a:t>
             </a:fld>
             <a:endParaRPr lang="en-US"/>
           </a:p>
@@ -2663,7 +2670,7 @@
           <a:p>
             <a:fld id="{5FC243EB-A3B3-1F41-B77A-665553D1D443}" type="datetimeFigureOut">
               <a:rPr lang="en-US" smtClean="0"/>
-              <a:t>6/8/18</a:t>
+              <a:t>9/5/19</a:t>
             </a:fld>
             <a:endParaRPr lang="en-US"/>
           </a:p>
@@ -2904,7 +2911,7 @@
           <a:p>
             <a:fld id="{5FC243EB-A3B3-1F41-B77A-665553D1D443}" type="datetimeFigureOut">
               <a:rPr lang="en-US" smtClean="0"/>
-              <a:t>6/8/18</a:t>
+              <a:t>9/5/19</a:t>
             </a:fld>
             <a:endParaRPr lang="en-US"/>
           </a:p>
@@ -3397,6 +3404,2112 @@
 </p:sld>
 </file>
 
+<file path=ppt/slides/slide2.xml><?xml version="1.0" encoding="utf-8"?>
+<p:sld xmlns:a="http://schemas.openxmlformats.org/drawingml/2006/main" xmlns:r="http://schemas.openxmlformats.org/officeDocument/2006/relationships" xmlns:p="http://schemas.openxmlformats.org/presentationml/2006/main">
+  <p:cSld>
+    <p:spTree>
+      <p:nvGrpSpPr>
+        <p:cNvPr id="1" name=""/>
+        <p:cNvGrpSpPr/>
+        <p:nvPr/>
+      </p:nvGrpSpPr>
+      <p:grpSpPr>
+        <a:xfrm>
+          <a:off x="0" y="0"/>
+          <a:ext cx="0" cy="0"/>
+          <a:chOff x="0" y="0"/>
+          <a:chExt cx="0" cy="0"/>
+        </a:xfrm>
+      </p:grpSpPr>
+      <p:pic>
+        <p:nvPicPr>
+          <p:cNvPr id="5" name="Picture 4">
+            <a:extLst>
+              <a:ext uri="{FF2B5EF4-FFF2-40B4-BE49-F238E27FC236}">
+                <a16:creationId xmlns:a16="http://schemas.microsoft.com/office/drawing/2014/main" id="{C11EE109-2450-EE46-8D8F-00D8D807CC61}"/>
+              </a:ext>
+            </a:extLst>
+          </p:cNvPr>
+          <p:cNvPicPr>
+            <a:picLocks noChangeAspect="1"/>
+          </p:cNvPicPr>
+          <p:nvPr/>
+        </p:nvPicPr>
+        <p:blipFill>
+          <a:blip r:embed="rId2"/>
+          <a:stretch>
+            <a:fillRect/>
+          </a:stretch>
+        </p:blipFill>
+        <p:spPr>
+          <a:xfrm>
+            <a:off x="0" y="0"/>
+            <a:ext cx="12192000" cy="6858000"/>
+          </a:xfrm>
+          <a:prstGeom prst="rect">
+            <a:avLst/>
+          </a:prstGeom>
+        </p:spPr>
+      </p:pic>
+    </p:spTree>
+    <p:extLst>
+      <p:ext uri="{BB962C8B-B14F-4D97-AF65-F5344CB8AC3E}">
+        <p14:creationId xmlns:p14="http://schemas.microsoft.com/office/powerpoint/2010/main" val="2738701678"/>
+      </p:ext>
+    </p:extLst>
+  </p:cSld>
+  <p:clrMapOvr>
+    <a:masterClrMapping/>
+  </p:clrMapOvr>
+</p:sld>
+</file>
+
+<file path=ppt/slides/slide3.xml><?xml version="1.0" encoding="utf-8"?>
+<p:sld xmlns:a="http://schemas.openxmlformats.org/drawingml/2006/main" xmlns:r="http://schemas.openxmlformats.org/officeDocument/2006/relationships" xmlns:p="http://schemas.openxmlformats.org/presentationml/2006/main">
+  <p:cSld>
+    <p:spTree>
+      <p:nvGrpSpPr>
+        <p:cNvPr id="1" name=""/>
+        <p:cNvGrpSpPr/>
+        <p:nvPr/>
+      </p:nvGrpSpPr>
+      <p:grpSpPr>
+        <a:xfrm>
+          <a:off x="0" y="0"/>
+          <a:ext cx="0" cy="0"/>
+          <a:chOff x="0" y="0"/>
+          <a:chExt cx="0" cy="0"/>
+        </a:xfrm>
+      </p:grpSpPr>
+      <p:sp>
+        <p:nvSpPr>
+          <p:cNvPr id="9" name="Oval 8">
+            <a:extLst>
+              <a:ext uri="{FF2B5EF4-FFF2-40B4-BE49-F238E27FC236}">
+                <a16:creationId xmlns:a16="http://schemas.microsoft.com/office/drawing/2014/main" id="{53386AF7-B1BE-3345-B052-9F54FFAD7CA4}"/>
+              </a:ext>
+            </a:extLst>
+          </p:cNvPr>
+          <p:cNvSpPr/>
+          <p:nvPr/>
+        </p:nvSpPr>
+        <p:spPr>
+          <a:xfrm>
+            <a:off x="5074268" y="1305561"/>
+            <a:ext cx="2123439" cy="2123439"/>
+          </a:xfrm>
+          <a:prstGeom prst="ellipse">
+            <a:avLst/>
+          </a:prstGeom>
+          <a:solidFill>
+            <a:schemeClr val="bg2">
+              <a:lumMod val="90000"/>
+            </a:schemeClr>
+          </a:solidFill>
+        </p:spPr>
+        <p:style>
+          <a:lnRef idx="2">
+            <a:schemeClr val="accent1">
+              <a:shade val="50000"/>
+            </a:schemeClr>
+          </a:lnRef>
+          <a:fillRef idx="1">
+            <a:schemeClr val="accent1"/>
+          </a:fillRef>
+          <a:effectRef idx="0">
+            <a:schemeClr val="accent1"/>
+          </a:effectRef>
+          <a:fontRef idx="minor">
+            <a:schemeClr val="lt1"/>
+          </a:fontRef>
+        </p:style>
+        <p:txBody>
+          <a:bodyPr rtlCol="0" anchor="ctr"/>
+          <a:lstStyle/>
+          <a:p>
+            <a:pPr algn="ctr"/>
+            <a:endParaRPr lang="en-US"/>
+          </a:p>
+        </p:txBody>
+      </p:sp>
+      <p:sp>
+        <p:nvSpPr>
+          <p:cNvPr id="2" name="Title 1">
+            <a:extLst>
+              <a:ext uri="{FF2B5EF4-FFF2-40B4-BE49-F238E27FC236}">
+                <a16:creationId xmlns:a16="http://schemas.microsoft.com/office/drawing/2014/main" id="{7CEA3834-0051-C849-B297-70256D1540FF}"/>
+              </a:ext>
+            </a:extLst>
+          </p:cNvPr>
+          <p:cNvSpPr>
+            <a:spLocks noGrp="1"/>
+          </p:cNvSpPr>
+          <p:nvPr>
+            <p:ph type="title"/>
+          </p:nvPr>
+        </p:nvSpPr>
+        <p:spPr>
+          <a:xfrm>
+            <a:off x="312683" y="228491"/>
+            <a:ext cx="10515600" cy="633358"/>
+          </a:xfrm>
+        </p:spPr>
+        <p:txBody>
+          <a:bodyPr>
+            <a:normAutofit/>
+          </a:bodyPr>
+          <a:lstStyle/>
+          <a:p>
+            <a:r>
+              <a:rPr lang="en-US" sz="2800" dirty="0">
+                <a:latin typeface="Sharp Grotesk DB Book 22" panose="020B0505050702030204" pitchFamily="34" charset="77"/>
+                <a:cs typeface="Arial" panose="020B0604020202020204" pitchFamily="34" charset="0"/>
+              </a:rPr>
+              <a:t>Line of Business Architecture</a:t>
+            </a:r>
+          </a:p>
+        </p:txBody>
+      </p:sp>
+      <p:pic>
+        <p:nvPicPr>
+          <p:cNvPr id="7" name="Picture 6">
+            <a:extLst>
+              <a:ext uri="{FF2B5EF4-FFF2-40B4-BE49-F238E27FC236}">
+                <a16:creationId xmlns:a16="http://schemas.microsoft.com/office/drawing/2014/main" id="{BB2F8FFA-5C8E-2746-93C0-36EADDAD5CB7}"/>
+              </a:ext>
+            </a:extLst>
+          </p:cNvPr>
+          <p:cNvPicPr>
+            <a:picLocks noChangeAspect="1"/>
+          </p:cNvPicPr>
+          <p:nvPr/>
+        </p:nvPicPr>
+        <p:blipFill>
+          <a:blip r:embed="rId2"/>
+          <a:stretch>
+            <a:fillRect/>
+          </a:stretch>
+        </p:blipFill>
+        <p:spPr>
+          <a:xfrm>
+            <a:off x="5455267" y="1787274"/>
+            <a:ext cx="1402080" cy="1402080"/>
+          </a:xfrm>
+          <a:prstGeom prst="rect">
+            <a:avLst/>
+          </a:prstGeom>
+        </p:spPr>
+      </p:pic>
+      <p:sp>
+        <p:nvSpPr>
+          <p:cNvPr id="8" name="TextBox 7">
+            <a:extLst>
+              <a:ext uri="{FF2B5EF4-FFF2-40B4-BE49-F238E27FC236}">
+                <a16:creationId xmlns:a16="http://schemas.microsoft.com/office/drawing/2014/main" id="{85188A30-0A56-0B42-8E01-C83713AD00BE}"/>
+              </a:ext>
+            </a:extLst>
+          </p:cNvPr>
+          <p:cNvSpPr txBox="1"/>
+          <p:nvPr/>
+        </p:nvSpPr>
+        <p:spPr>
+          <a:xfrm rot="5400000">
+            <a:off x="5891605" y="994701"/>
+            <a:ext cx="492443" cy="1240221"/>
+          </a:xfrm>
+          <a:prstGeom prst="rect">
+            <a:avLst/>
+          </a:prstGeom>
+          <a:noFill/>
+        </p:spPr>
+        <p:txBody>
+          <a:bodyPr vert="vert270" wrap="square" rtlCol="0">
+            <a:spAutoFit/>
+          </a:bodyPr>
+          <a:lstStyle/>
+          <a:p>
+            <a:pPr algn="ctr"/>
+            <a:r>
+              <a:rPr lang="en-US" sz="1000" dirty="0">
+                <a:solidFill>
+                  <a:srgbClr val="0061FF"/>
+                </a:solidFill>
+                <a:latin typeface="Sharp Grotesk DB Book 22" panose="020B0505050702030204" pitchFamily="34" charset="77"/>
+              </a:rPr>
+              <a:t>Content Platform</a:t>
+            </a:r>
+          </a:p>
+        </p:txBody>
+      </p:sp>
+      <p:sp>
+        <p:nvSpPr>
+          <p:cNvPr id="10" name="TextBox 9">
+            <a:extLst>
+              <a:ext uri="{FF2B5EF4-FFF2-40B4-BE49-F238E27FC236}">
+                <a16:creationId xmlns:a16="http://schemas.microsoft.com/office/drawing/2014/main" id="{87A5F27E-5C78-3545-A78A-9DF3DE31F8D0}"/>
+              </a:ext>
+            </a:extLst>
+          </p:cNvPr>
+          <p:cNvSpPr txBox="1"/>
+          <p:nvPr/>
+        </p:nvSpPr>
+        <p:spPr>
+          <a:xfrm>
+            <a:off x="1343746" y="986149"/>
+            <a:ext cx="1584960" cy="369332"/>
+          </a:xfrm>
+          <a:prstGeom prst="rect">
+            <a:avLst/>
+          </a:prstGeom>
+          <a:noFill/>
+        </p:spPr>
+        <p:txBody>
+          <a:bodyPr wrap="square" rtlCol="0">
+            <a:spAutoFit/>
+          </a:bodyPr>
+          <a:lstStyle/>
+          <a:p>
+            <a:pPr algn="ctr"/>
+            <a:r>
+              <a:rPr lang="en-US" dirty="0"/>
+              <a:t>Business Units</a:t>
+            </a:r>
+          </a:p>
+        </p:txBody>
+      </p:sp>
+      <p:sp>
+        <p:nvSpPr>
+          <p:cNvPr id="11" name="Rectangle 10">
+            <a:extLst>
+              <a:ext uri="{FF2B5EF4-FFF2-40B4-BE49-F238E27FC236}">
+                <a16:creationId xmlns:a16="http://schemas.microsoft.com/office/drawing/2014/main" id="{576497A2-65B3-364E-9F92-2388E48538E3}"/>
+              </a:ext>
+            </a:extLst>
+          </p:cNvPr>
+          <p:cNvSpPr/>
+          <p:nvPr/>
+        </p:nvSpPr>
+        <p:spPr>
+          <a:xfrm>
+            <a:off x="312683" y="1306191"/>
+            <a:ext cx="3649717" cy="5399409"/>
+          </a:xfrm>
+          <a:prstGeom prst="rect">
+            <a:avLst/>
+          </a:prstGeom>
+          <a:noFill/>
+        </p:spPr>
+        <p:style>
+          <a:lnRef idx="2">
+            <a:schemeClr val="accent1">
+              <a:shade val="50000"/>
+            </a:schemeClr>
+          </a:lnRef>
+          <a:fillRef idx="1">
+            <a:schemeClr val="accent1"/>
+          </a:fillRef>
+          <a:effectRef idx="0">
+            <a:schemeClr val="accent1"/>
+          </a:effectRef>
+          <a:fontRef idx="minor">
+            <a:schemeClr val="lt1"/>
+          </a:fontRef>
+        </p:style>
+        <p:txBody>
+          <a:bodyPr rtlCol="0" anchor="ctr"/>
+          <a:lstStyle/>
+          <a:p>
+            <a:pPr algn="ctr"/>
+            <a:endParaRPr lang="en-US"/>
+          </a:p>
+        </p:txBody>
+      </p:sp>
+      <p:sp>
+        <p:nvSpPr>
+          <p:cNvPr id="12" name="Rounded Rectangle 11">
+            <a:extLst>
+              <a:ext uri="{FF2B5EF4-FFF2-40B4-BE49-F238E27FC236}">
+                <a16:creationId xmlns:a16="http://schemas.microsoft.com/office/drawing/2014/main" id="{5377C1C6-9DE0-894B-AE0B-4CE006C4F839}"/>
+              </a:ext>
+            </a:extLst>
+          </p:cNvPr>
+          <p:cNvSpPr/>
+          <p:nvPr/>
+        </p:nvSpPr>
+        <p:spPr>
+          <a:xfrm>
+            <a:off x="527005" y="1450811"/>
+            <a:ext cx="3241040" cy="936788"/>
+          </a:xfrm>
+          <a:prstGeom prst="roundRect">
+            <a:avLst/>
+          </a:prstGeom>
+          <a:solidFill>
+            <a:schemeClr val="accent1">
+              <a:lumMod val="20000"/>
+              <a:lumOff val="80000"/>
+            </a:schemeClr>
+          </a:solidFill>
+        </p:spPr>
+        <p:style>
+          <a:lnRef idx="2">
+            <a:schemeClr val="accent1">
+              <a:shade val="50000"/>
+            </a:schemeClr>
+          </a:lnRef>
+          <a:fillRef idx="1">
+            <a:schemeClr val="accent1"/>
+          </a:fillRef>
+          <a:effectRef idx="0">
+            <a:schemeClr val="accent1"/>
+          </a:effectRef>
+          <a:fontRef idx="minor">
+            <a:schemeClr val="lt1"/>
+          </a:fontRef>
+        </p:style>
+        <p:txBody>
+          <a:bodyPr rtlCol="0" anchor="ctr"/>
+          <a:lstStyle/>
+          <a:p>
+            <a:pPr algn="ctr"/>
+            <a:endParaRPr lang="en-US"/>
+          </a:p>
+        </p:txBody>
+      </p:sp>
+      <p:sp>
+        <p:nvSpPr>
+          <p:cNvPr id="13" name="Rounded Rectangle 12">
+            <a:extLst>
+              <a:ext uri="{FF2B5EF4-FFF2-40B4-BE49-F238E27FC236}">
+                <a16:creationId xmlns:a16="http://schemas.microsoft.com/office/drawing/2014/main" id="{368A9119-3BEB-5246-A47A-D9404B0D70DC}"/>
+              </a:ext>
+            </a:extLst>
+          </p:cNvPr>
+          <p:cNvSpPr/>
+          <p:nvPr/>
+        </p:nvSpPr>
+        <p:spPr>
+          <a:xfrm>
+            <a:off x="527005" y="2495531"/>
+            <a:ext cx="3241040" cy="936788"/>
+          </a:xfrm>
+          <a:prstGeom prst="roundRect">
+            <a:avLst/>
+          </a:prstGeom>
+          <a:solidFill>
+            <a:schemeClr val="accent1">
+              <a:lumMod val="20000"/>
+              <a:lumOff val="80000"/>
+            </a:schemeClr>
+          </a:solidFill>
+        </p:spPr>
+        <p:style>
+          <a:lnRef idx="2">
+            <a:schemeClr val="accent1">
+              <a:shade val="50000"/>
+            </a:schemeClr>
+          </a:lnRef>
+          <a:fillRef idx="1">
+            <a:schemeClr val="accent1"/>
+          </a:fillRef>
+          <a:effectRef idx="0">
+            <a:schemeClr val="accent1"/>
+          </a:effectRef>
+          <a:fontRef idx="minor">
+            <a:schemeClr val="lt1"/>
+          </a:fontRef>
+        </p:style>
+        <p:txBody>
+          <a:bodyPr rtlCol="0" anchor="ctr"/>
+          <a:lstStyle/>
+          <a:p>
+            <a:pPr algn="ctr"/>
+            <a:endParaRPr lang="en-US"/>
+          </a:p>
+        </p:txBody>
+      </p:sp>
+      <p:sp>
+        <p:nvSpPr>
+          <p:cNvPr id="14" name="Rounded Rectangle 13">
+            <a:extLst>
+              <a:ext uri="{FF2B5EF4-FFF2-40B4-BE49-F238E27FC236}">
+                <a16:creationId xmlns:a16="http://schemas.microsoft.com/office/drawing/2014/main" id="{88EF1938-A0F7-3C45-9411-073292CC7AE4}"/>
+              </a:ext>
+            </a:extLst>
+          </p:cNvPr>
+          <p:cNvSpPr/>
+          <p:nvPr/>
+        </p:nvSpPr>
+        <p:spPr>
+          <a:xfrm>
+            <a:off x="515706" y="3540251"/>
+            <a:ext cx="3241040" cy="936788"/>
+          </a:xfrm>
+          <a:prstGeom prst="roundRect">
+            <a:avLst/>
+          </a:prstGeom>
+          <a:solidFill>
+            <a:schemeClr val="accent1">
+              <a:lumMod val="20000"/>
+              <a:lumOff val="80000"/>
+            </a:schemeClr>
+          </a:solidFill>
+        </p:spPr>
+        <p:style>
+          <a:lnRef idx="2">
+            <a:schemeClr val="accent1">
+              <a:shade val="50000"/>
+            </a:schemeClr>
+          </a:lnRef>
+          <a:fillRef idx="1">
+            <a:schemeClr val="accent1"/>
+          </a:fillRef>
+          <a:effectRef idx="0">
+            <a:schemeClr val="accent1"/>
+          </a:effectRef>
+          <a:fontRef idx="minor">
+            <a:schemeClr val="lt1"/>
+          </a:fontRef>
+        </p:style>
+        <p:txBody>
+          <a:bodyPr rtlCol="0" anchor="ctr"/>
+          <a:lstStyle/>
+          <a:p>
+            <a:pPr algn="ctr"/>
+            <a:endParaRPr lang="en-US"/>
+          </a:p>
+        </p:txBody>
+      </p:sp>
+      <p:sp>
+        <p:nvSpPr>
+          <p:cNvPr id="15" name="Rounded Rectangle 14">
+            <a:extLst>
+              <a:ext uri="{FF2B5EF4-FFF2-40B4-BE49-F238E27FC236}">
+                <a16:creationId xmlns:a16="http://schemas.microsoft.com/office/drawing/2014/main" id="{94C50B14-9905-8E4A-8669-029470E64677}"/>
+              </a:ext>
+            </a:extLst>
+          </p:cNvPr>
+          <p:cNvSpPr/>
+          <p:nvPr/>
+        </p:nvSpPr>
+        <p:spPr>
+          <a:xfrm>
+            <a:off x="527005" y="4584971"/>
+            <a:ext cx="3241040" cy="936788"/>
+          </a:xfrm>
+          <a:prstGeom prst="roundRect">
+            <a:avLst/>
+          </a:prstGeom>
+          <a:solidFill>
+            <a:schemeClr val="accent1">
+              <a:lumMod val="20000"/>
+              <a:lumOff val="80000"/>
+            </a:schemeClr>
+          </a:solidFill>
+        </p:spPr>
+        <p:style>
+          <a:lnRef idx="2">
+            <a:schemeClr val="accent1">
+              <a:shade val="50000"/>
+            </a:schemeClr>
+          </a:lnRef>
+          <a:fillRef idx="1">
+            <a:schemeClr val="accent1"/>
+          </a:fillRef>
+          <a:effectRef idx="0">
+            <a:schemeClr val="accent1"/>
+          </a:effectRef>
+          <a:fontRef idx="minor">
+            <a:schemeClr val="lt1"/>
+          </a:fontRef>
+        </p:style>
+        <p:txBody>
+          <a:bodyPr rtlCol="0" anchor="ctr"/>
+          <a:lstStyle/>
+          <a:p>
+            <a:pPr algn="ctr"/>
+            <a:endParaRPr lang="en-US"/>
+          </a:p>
+        </p:txBody>
+      </p:sp>
+      <p:sp>
+        <p:nvSpPr>
+          <p:cNvPr id="16" name="Rounded Rectangle 15">
+            <a:extLst>
+              <a:ext uri="{FF2B5EF4-FFF2-40B4-BE49-F238E27FC236}">
+                <a16:creationId xmlns:a16="http://schemas.microsoft.com/office/drawing/2014/main" id="{0AC8F138-09C9-4A42-871A-B63BE38FE652}"/>
+              </a:ext>
+            </a:extLst>
+          </p:cNvPr>
+          <p:cNvSpPr/>
+          <p:nvPr/>
+        </p:nvSpPr>
+        <p:spPr>
+          <a:xfrm>
+            <a:off x="527005" y="5629690"/>
+            <a:ext cx="3241040" cy="936788"/>
+          </a:xfrm>
+          <a:prstGeom prst="roundRect">
+            <a:avLst/>
+          </a:prstGeom>
+          <a:solidFill>
+            <a:schemeClr val="accent1">
+              <a:lumMod val="20000"/>
+              <a:lumOff val="80000"/>
+            </a:schemeClr>
+          </a:solidFill>
+        </p:spPr>
+        <p:style>
+          <a:lnRef idx="2">
+            <a:schemeClr val="accent1">
+              <a:shade val="50000"/>
+            </a:schemeClr>
+          </a:lnRef>
+          <a:fillRef idx="1">
+            <a:schemeClr val="accent1"/>
+          </a:fillRef>
+          <a:effectRef idx="0">
+            <a:schemeClr val="accent1"/>
+          </a:effectRef>
+          <a:fontRef idx="minor">
+            <a:schemeClr val="lt1"/>
+          </a:fontRef>
+        </p:style>
+        <p:txBody>
+          <a:bodyPr rtlCol="0" anchor="ctr"/>
+          <a:lstStyle/>
+          <a:p>
+            <a:pPr algn="ctr"/>
+            <a:endParaRPr lang="en-US"/>
+          </a:p>
+        </p:txBody>
+      </p:sp>
+      <p:sp>
+        <p:nvSpPr>
+          <p:cNvPr id="17" name="TextBox 16">
+            <a:extLst>
+              <a:ext uri="{FF2B5EF4-FFF2-40B4-BE49-F238E27FC236}">
+                <a16:creationId xmlns:a16="http://schemas.microsoft.com/office/drawing/2014/main" id="{4BBF63D9-5762-6445-9CAF-233B39FC361B}"/>
+              </a:ext>
+            </a:extLst>
+          </p:cNvPr>
+          <p:cNvSpPr txBox="1"/>
+          <p:nvPr/>
+        </p:nvSpPr>
+        <p:spPr>
+          <a:xfrm>
+            <a:off x="598125" y="1675523"/>
+            <a:ext cx="1240835" cy="553998"/>
+          </a:xfrm>
+          <a:prstGeom prst="rect">
+            <a:avLst/>
+          </a:prstGeom>
+          <a:noFill/>
+        </p:spPr>
+        <p:txBody>
+          <a:bodyPr vert="horz" wrap="square" rtlCol="0">
+            <a:spAutoFit/>
+          </a:bodyPr>
+          <a:lstStyle/>
+          <a:p>
+            <a:pPr algn="ctr"/>
+            <a:r>
+              <a:rPr lang="en-US" sz="1000" dirty="0">
+                <a:solidFill>
+                  <a:schemeClr val="bg2">
+                    <a:lumMod val="50000"/>
+                  </a:schemeClr>
+                </a:solidFill>
+                <a:latin typeface="Sharp Grotesk DB Book 22" panose="020B0505050702030204" pitchFamily="34" charset="77"/>
+              </a:rPr>
+              <a:t>Recruiting / </a:t>
+            </a:r>
+          </a:p>
+          <a:p>
+            <a:pPr algn="ctr"/>
+            <a:r>
+              <a:rPr lang="en-US" sz="1000" dirty="0">
+                <a:solidFill>
+                  <a:schemeClr val="bg2">
+                    <a:lumMod val="50000"/>
+                  </a:schemeClr>
+                </a:solidFill>
+                <a:latin typeface="Sharp Grotesk DB Book 22" panose="020B0505050702030204" pitchFamily="34" charset="77"/>
+              </a:rPr>
+              <a:t>Human Resources</a:t>
+            </a:r>
+          </a:p>
+        </p:txBody>
+      </p:sp>
+      <p:sp>
+        <p:nvSpPr>
+          <p:cNvPr id="18" name="TextBox 17">
+            <a:extLst>
+              <a:ext uri="{FF2B5EF4-FFF2-40B4-BE49-F238E27FC236}">
+                <a16:creationId xmlns:a16="http://schemas.microsoft.com/office/drawing/2014/main" id="{18C84D30-4A8A-C444-A408-D6FE22A51ABC}"/>
+              </a:ext>
+            </a:extLst>
+          </p:cNvPr>
+          <p:cNvSpPr txBox="1"/>
+          <p:nvPr/>
+        </p:nvSpPr>
+        <p:spPr>
+          <a:xfrm>
+            <a:off x="598124" y="2831941"/>
+            <a:ext cx="1240835" cy="246221"/>
+          </a:xfrm>
+          <a:prstGeom prst="rect">
+            <a:avLst/>
+          </a:prstGeom>
+          <a:noFill/>
+        </p:spPr>
+        <p:txBody>
+          <a:bodyPr vert="horz" wrap="square" rtlCol="0">
+            <a:spAutoFit/>
+          </a:bodyPr>
+          <a:lstStyle/>
+          <a:p>
+            <a:pPr algn="ctr"/>
+            <a:r>
+              <a:rPr lang="en-US" sz="1000" dirty="0">
+                <a:solidFill>
+                  <a:schemeClr val="bg2">
+                    <a:lumMod val="50000"/>
+                  </a:schemeClr>
+                </a:solidFill>
+                <a:latin typeface="Sharp Grotesk DB Book 22" panose="020B0505050702030204" pitchFamily="34" charset="77"/>
+              </a:rPr>
+              <a:t>Marketing</a:t>
+            </a:r>
+          </a:p>
+        </p:txBody>
+      </p:sp>
+      <p:sp>
+        <p:nvSpPr>
+          <p:cNvPr id="20" name="TextBox 19">
+            <a:extLst>
+              <a:ext uri="{FF2B5EF4-FFF2-40B4-BE49-F238E27FC236}">
+                <a16:creationId xmlns:a16="http://schemas.microsoft.com/office/drawing/2014/main" id="{FE310008-FF34-7B4A-A3F2-44B03FB359BA}"/>
+              </a:ext>
+            </a:extLst>
+          </p:cNvPr>
+          <p:cNvSpPr txBox="1"/>
+          <p:nvPr/>
+        </p:nvSpPr>
+        <p:spPr>
+          <a:xfrm>
+            <a:off x="598124" y="3876661"/>
+            <a:ext cx="1240835" cy="246221"/>
+          </a:xfrm>
+          <a:prstGeom prst="rect">
+            <a:avLst/>
+          </a:prstGeom>
+          <a:noFill/>
+        </p:spPr>
+        <p:txBody>
+          <a:bodyPr vert="horz" wrap="square" rtlCol="0">
+            <a:spAutoFit/>
+          </a:bodyPr>
+          <a:lstStyle/>
+          <a:p>
+            <a:pPr algn="ctr"/>
+            <a:r>
+              <a:rPr lang="en-US" sz="1000" dirty="0">
+                <a:solidFill>
+                  <a:schemeClr val="bg2">
+                    <a:lumMod val="50000"/>
+                  </a:schemeClr>
+                </a:solidFill>
+                <a:latin typeface="Sharp Grotesk DB Book 22" panose="020B0505050702030204" pitchFamily="34" charset="77"/>
+              </a:rPr>
+              <a:t>Finance</a:t>
+            </a:r>
+          </a:p>
+        </p:txBody>
+      </p:sp>
+      <p:sp>
+        <p:nvSpPr>
+          <p:cNvPr id="21" name="TextBox 20">
+            <a:extLst>
+              <a:ext uri="{FF2B5EF4-FFF2-40B4-BE49-F238E27FC236}">
+                <a16:creationId xmlns:a16="http://schemas.microsoft.com/office/drawing/2014/main" id="{DBEEDB7C-DF59-4440-99E6-05681DD741CF}"/>
+              </a:ext>
+            </a:extLst>
+          </p:cNvPr>
+          <p:cNvSpPr txBox="1"/>
+          <p:nvPr/>
+        </p:nvSpPr>
+        <p:spPr>
+          <a:xfrm>
+            <a:off x="598124" y="4915381"/>
+            <a:ext cx="1240835" cy="246221"/>
+          </a:xfrm>
+          <a:prstGeom prst="rect">
+            <a:avLst/>
+          </a:prstGeom>
+          <a:noFill/>
+        </p:spPr>
+        <p:txBody>
+          <a:bodyPr vert="horz" wrap="square" rtlCol="0">
+            <a:spAutoFit/>
+          </a:bodyPr>
+          <a:lstStyle/>
+          <a:p>
+            <a:pPr algn="ctr"/>
+            <a:r>
+              <a:rPr lang="en-US" sz="1000" dirty="0">
+                <a:solidFill>
+                  <a:schemeClr val="bg2">
+                    <a:lumMod val="50000"/>
+                  </a:schemeClr>
+                </a:solidFill>
+                <a:latin typeface="Sharp Grotesk DB Book 22" panose="020B0505050702030204" pitchFamily="34" charset="77"/>
+              </a:rPr>
+              <a:t>CRM</a:t>
+            </a:r>
+          </a:p>
+        </p:txBody>
+      </p:sp>
+      <p:sp>
+        <p:nvSpPr>
+          <p:cNvPr id="22" name="TextBox 21">
+            <a:extLst>
+              <a:ext uri="{FF2B5EF4-FFF2-40B4-BE49-F238E27FC236}">
+                <a16:creationId xmlns:a16="http://schemas.microsoft.com/office/drawing/2014/main" id="{92145C71-8E75-7248-8E8E-AECF64E931FA}"/>
+              </a:ext>
+            </a:extLst>
+          </p:cNvPr>
+          <p:cNvSpPr txBox="1"/>
+          <p:nvPr/>
+        </p:nvSpPr>
+        <p:spPr>
+          <a:xfrm>
+            <a:off x="598123" y="5898029"/>
+            <a:ext cx="1240835" cy="400110"/>
+          </a:xfrm>
+          <a:prstGeom prst="rect">
+            <a:avLst/>
+          </a:prstGeom>
+          <a:noFill/>
+        </p:spPr>
+        <p:txBody>
+          <a:bodyPr vert="horz" wrap="square" rtlCol="0">
+            <a:spAutoFit/>
+          </a:bodyPr>
+          <a:lstStyle/>
+          <a:p>
+            <a:pPr algn="ctr"/>
+            <a:r>
+              <a:rPr lang="en-US" sz="1000" dirty="0">
+                <a:solidFill>
+                  <a:schemeClr val="bg2">
+                    <a:lumMod val="50000"/>
+                  </a:schemeClr>
+                </a:solidFill>
+                <a:latin typeface="Sharp Grotesk DB Book 22" panose="020B0505050702030204" pitchFamily="34" charset="77"/>
+              </a:rPr>
+              <a:t>Business</a:t>
+            </a:r>
+          </a:p>
+          <a:p>
+            <a:pPr algn="ctr"/>
+            <a:r>
+              <a:rPr lang="en-US" sz="1000" dirty="0">
+                <a:solidFill>
+                  <a:schemeClr val="bg2">
+                    <a:lumMod val="50000"/>
+                  </a:schemeClr>
+                </a:solidFill>
+                <a:latin typeface="Sharp Grotesk DB Book 22" panose="020B0505050702030204" pitchFamily="34" charset="77"/>
+              </a:rPr>
+              <a:t>Intelligence</a:t>
+            </a:r>
+          </a:p>
+        </p:txBody>
+      </p:sp>
+      <p:sp>
+        <p:nvSpPr>
+          <p:cNvPr id="23" name="TextBox 22">
+            <a:extLst>
+              <a:ext uri="{FF2B5EF4-FFF2-40B4-BE49-F238E27FC236}">
+                <a16:creationId xmlns:a16="http://schemas.microsoft.com/office/drawing/2014/main" id="{9848A0F3-7C24-B049-89CF-47A88DB9157D}"/>
+              </a:ext>
+            </a:extLst>
+          </p:cNvPr>
+          <p:cNvSpPr txBox="1"/>
+          <p:nvPr/>
+        </p:nvSpPr>
+        <p:spPr>
+          <a:xfrm>
+            <a:off x="9148990" y="976799"/>
+            <a:ext cx="1879421" cy="369332"/>
+          </a:xfrm>
+          <a:prstGeom prst="rect">
+            <a:avLst/>
+          </a:prstGeom>
+          <a:noFill/>
+        </p:spPr>
+        <p:txBody>
+          <a:bodyPr wrap="square" rtlCol="0">
+            <a:spAutoFit/>
+          </a:bodyPr>
+          <a:lstStyle/>
+          <a:p>
+            <a:pPr algn="ctr"/>
+            <a:r>
+              <a:rPr lang="en-US" dirty="0"/>
+              <a:t>Core Applications</a:t>
+            </a:r>
+          </a:p>
+        </p:txBody>
+      </p:sp>
+      <p:sp>
+        <p:nvSpPr>
+          <p:cNvPr id="24" name="Rectangle 23">
+            <a:extLst>
+              <a:ext uri="{FF2B5EF4-FFF2-40B4-BE49-F238E27FC236}">
+                <a16:creationId xmlns:a16="http://schemas.microsoft.com/office/drawing/2014/main" id="{576ABEC2-1A3B-1646-B077-A1D5F7400475}"/>
+              </a:ext>
+            </a:extLst>
+          </p:cNvPr>
+          <p:cNvSpPr/>
+          <p:nvPr/>
+        </p:nvSpPr>
+        <p:spPr>
+          <a:xfrm>
+            <a:off x="8289421" y="1306192"/>
+            <a:ext cx="3649717" cy="2270854"/>
+          </a:xfrm>
+          <a:prstGeom prst="rect">
+            <a:avLst/>
+          </a:prstGeom>
+          <a:noFill/>
+        </p:spPr>
+        <p:style>
+          <a:lnRef idx="2">
+            <a:schemeClr val="accent1">
+              <a:shade val="50000"/>
+            </a:schemeClr>
+          </a:lnRef>
+          <a:fillRef idx="1">
+            <a:schemeClr val="accent1"/>
+          </a:fillRef>
+          <a:effectRef idx="0">
+            <a:schemeClr val="accent1"/>
+          </a:effectRef>
+          <a:fontRef idx="minor">
+            <a:schemeClr val="lt1"/>
+          </a:fontRef>
+        </p:style>
+        <p:txBody>
+          <a:bodyPr rtlCol="0" anchor="ctr"/>
+          <a:lstStyle/>
+          <a:p>
+            <a:pPr algn="ctr"/>
+            <a:endParaRPr lang="en-US"/>
+          </a:p>
+        </p:txBody>
+      </p:sp>
+      <p:sp>
+        <p:nvSpPr>
+          <p:cNvPr id="25" name="Rounded Rectangle 24">
+            <a:extLst>
+              <a:ext uri="{FF2B5EF4-FFF2-40B4-BE49-F238E27FC236}">
+                <a16:creationId xmlns:a16="http://schemas.microsoft.com/office/drawing/2014/main" id="{94A2D8BA-D762-9F47-A1DA-1193B172D534}"/>
+              </a:ext>
+            </a:extLst>
+          </p:cNvPr>
+          <p:cNvSpPr/>
+          <p:nvPr/>
+        </p:nvSpPr>
+        <p:spPr>
+          <a:xfrm>
+            <a:off x="8503743" y="1450811"/>
+            <a:ext cx="3241040" cy="936788"/>
+          </a:xfrm>
+          <a:prstGeom prst="roundRect">
+            <a:avLst/>
+          </a:prstGeom>
+          <a:solidFill>
+            <a:schemeClr val="accent4">
+              <a:lumMod val="20000"/>
+              <a:lumOff val="80000"/>
+            </a:schemeClr>
+          </a:solidFill>
+        </p:spPr>
+        <p:style>
+          <a:lnRef idx="2">
+            <a:schemeClr val="accent1">
+              <a:shade val="50000"/>
+            </a:schemeClr>
+          </a:lnRef>
+          <a:fillRef idx="1">
+            <a:schemeClr val="accent1"/>
+          </a:fillRef>
+          <a:effectRef idx="0">
+            <a:schemeClr val="accent1"/>
+          </a:effectRef>
+          <a:fontRef idx="minor">
+            <a:schemeClr val="lt1"/>
+          </a:fontRef>
+        </p:style>
+        <p:txBody>
+          <a:bodyPr rtlCol="0" anchor="ctr"/>
+          <a:lstStyle/>
+          <a:p>
+            <a:pPr algn="ctr"/>
+            <a:endParaRPr lang="en-US"/>
+          </a:p>
+        </p:txBody>
+      </p:sp>
+      <p:sp>
+        <p:nvSpPr>
+          <p:cNvPr id="26" name="Rounded Rectangle 25">
+            <a:extLst>
+              <a:ext uri="{FF2B5EF4-FFF2-40B4-BE49-F238E27FC236}">
+                <a16:creationId xmlns:a16="http://schemas.microsoft.com/office/drawing/2014/main" id="{9D2919A3-1055-7141-A547-8E2B889E6ACC}"/>
+              </a:ext>
+            </a:extLst>
+          </p:cNvPr>
+          <p:cNvSpPr/>
+          <p:nvPr/>
+        </p:nvSpPr>
+        <p:spPr>
+          <a:xfrm>
+            <a:off x="8503743" y="2495531"/>
+            <a:ext cx="3241040" cy="936788"/>
+          </a:xfrm>
+          <a:prstGeom prst="roundRect">
+            <a:avLst/>
+          </a:prstGeom>
+          <a:solidFill>
+            <a:schemeClr val="accent4">
+              <a:lumMod val="20000"/>
+              <a:lumOff val="80000"/>
+            </a:schemeClr>
+          </a:solidFill>
+        </p:spPr>
+        <p:style>
+          <a:lnRef idx="2">
+            <a:schemeClr val="accent1">
+              <a:shade val="50000"/>
+            </a:schemeClr>
+          </a:lnRef>
+          <a:fillRef idx="1">
+            <a:schemeClr val="accent1"/>
+          </a:fillRef>
+          <a:effectRef idx="0">
+            <a:schemeClr val="accent1"/>
+          </a:effectRef>
+          <a:fontRef idx="minor">
+            <a:schemeClr val="lt1"/>
+          </a:fontRef>
+        </p:style>
+        <p:txBody>
+          <a:bodyPr rtlCol="0" anchor="ctr"/>
+          <a:lstStyle/>
+          <a:p>
+            <a:pPr algn="ctr"/>
+            <a:endParaRPr lang="en-US"/>
+          </a:p>
+        </p:txBody>
+      </p:sp>
+      <p:sp>
+        <p:nvSpPr>
+          <p:cNvPr id="27" name="TextBox 26">
+            <a:extLst>
+              <a:ext uri="{FF2B5EF4-FFF2-40B4-BE49-F238E27FC236}">
+                <a16:creationId xmlns:a16="http://schemas.microsoft.com/office/drawing/2014/main" id="{525A00B1-FE4D-EC48-83CF-6206DC5260E5}"/>
+              </a:ext>
+            </a:extLst>
+          </p:cNvPr>
+          <p:cNvSpPr txBox="1"/>
+          <p:nvPr/>
+        </p:nvSpPr>
+        <p:spPr>
+          <a:xfrm>
+            <a:off x="10647146" y="1799824"/>
+            <a:ext cx="1240835" cy="246221"/>
+          </a:xfrm>
+          <a:prstGeom prst="rect">
+            <a:avLst/>
+          </a:prstGeom>
+          <a:noFill/>
+        </p:spPr>
+        <p:txBody>
+          <a:bodyPr vert="horz" wrap="square" rtlCol="0">
+            <a:spAutoFit/>
+          </a:bodyPr>
+          <a:lstStyle/>
+          <a:p>
+            <a:pPr algn="ctr"/>
+            <a:r>
+              <a:rPr lang="en-US" sz="1000" dirty="0">
+                <a:solidFill>
+                  <a:schemeClr val="bg2">
+                    <a:lumMod val="50000"/>
+                  </a:schemeClr>
+                </a:solidFill>
+                <a:latin typeface="Sharp Grotesk DB Book 22" panose="020B0505050702030204" pitchFamily="34" charset="77"/>
+              </a:rPr>
+              <a:t>Email</a:t>
+            </a:r>
+          </a:p>
+        </p:txBody>
+      </p:sp>
+      <p:sp>
+        <p:nvSpPr>
+          <p:cNvPr id="28" name="TextBox 27">
+            <a:extLst>
+              <a:ext uri="{FF2B5EF4-FFF2-40B4-BE49-F238E27FC236}">
+                <a16:creationId xmlns:a16="http://schemas.microsoft.com/office/drawing/2014/main" id="{BDD10636-C143-AA46-8D8E-F053DFDC1486}"/>
+              </a:ext>
+            </a:extLst>
+          </p:cNvPr>
+          <p:cNvSpPr txBox="1"/>
+          <p:nvPr/>
+        </p:nvSpPr>
+        <p:spPr>
+          <a:xfrm>
+            <a:off x="10647146" y="2831941"/>
+            <a:ext cx="1240835" cy="246221"/>
+          </a:xfrm>
+          <a:prstGeom prst="rect">
+            <a:avLst/>
+          </a:prstGeom>
+          <a:noFill/>
+        </p:spPr>
+        <p:txBody>
+          <a:bodyPr vert="horz" wrap="square" rtlCol="0">
+            <a:spAutoFit/>
+          </a:bodyPr>
+          <a:lstStyle/>
+          <a:p>
+            <a:pPr algn="ctr"/>
+            <a:r>
+              <a:rPr lang="en-US" sz="1000" dirty="0">
+                <a:solidFill>
+                  <a:schemeClr val="bg2">
+                    <a:lumMod val="50000"/>
+                  </a:schemeClr>
+                </a:solidFill>
+                <a:latin typeface="Sharp Grotesk DB Book 22" panose="020B0505050702030204" pitchFamily="34" charset="77"/>
+              </a:rPr>
+              <a:t>Chat</a:t>
+            </a:r>
+          </a:p>
+        </p:txBody>
+      </p:sp>
+      <p:sp>
+        <p:nvSpPr>
+          <p:cNvPr id="29" name="TextBox 28">
+            <a:extLst>
+              <a:ext uri="{FF2B5EF4-FFF2-40B4-BE49-F238E27FC236}">
+                <a16:creationId xmlns:a16="http://schemas.microsoft.com/office/drawing/2014/main" id="{660396FE-4750-5141-99A1-BEDD854287CC}"/>
+              </a:ext>
+            </a:extLst>
+          </p:cNvPr>
+          <p:cNvSpPr txBox="1"/>
+          <p:nvPr/>
+        </p:nvSpPr>
+        <p:spPr>
+          <a:xfrm>
+            <a:off x="9296221" y="4120309"/>
+            <a:ext cx="1584960" cy="369332"/>
+          </a:xfrm>
+          <a:prstGeom prst="rect">
+            <a:avLst/>
+          </a:prstGeom>
+          <a:noFill/>
+        </p:spPr>
+        <p:txBody>
+          <a:bodyPr wrap="square" rtlCol="0">
+            <a:spAutoFit/>
+          </a:bodyPr>
+          <a:lstStyle/>
+          <a:p>
+            <a:pPr algn="ctr"/>
+            <a:r>
+              <a:rPr lang="en-US" dirty="0"/>
+              <a:t>IT Services</a:t>
+            </a:r>
+          </a:p>
+        </p:txBody>
+      </p:sp>
+      <p:sp>
+        <p:nvSpPr>
+          <p:cNvPr id="30" name="Rectangle 29">
+            <a:extLst>
+              <a:ext uri="{FF2B5EF4-FFF2-40B4-BE49-F238E27FC236}">
+                <a16:creationId xmlns:a16="http://schemas.microsoft.com/office/drawing/2014/main" id="{07D0CE89-33BD-064F-A188-08798711B01A}"/>
+              </a:ext>
+            </a:extLst>
+          </p:cNvPr>
+          <p:cNvSpPr/>
+          <p:nvPr/>
+        </p:nvSpPr>
+        <p:spPr>
+          <a:xfrm>
+            <a:off x="8289421" y="4440352"/>
+            <a:ext cx="3649717" cy="2270854"/>
+          </a:xfrm>
+          <a:prstGeom prst="rect">
+            <a:avLst/>
+          </a:prstGeom>
+          <a:noFill/>
+        </p:spPr>
+        <p:style>
+          <a:lnRef idx="2">
+            <a:schemeClr val="accent1">
+              <a:shade val="50000"/>
+            </a:schemeClr>
+          </a:lnRef>
+          <a:fillRef idx="1">
+            <a:schemeClr val="accent1"/>
+          </a:fillRef>
+          <a:effectRef idx="0">
+            <a:schemeClr val="accent1"/>
+          </a:effectRef>
+          <a:fontRef idx="minor">
+            <a:schemeClr val="lt1"/>
+          </a:fontRef>
+        </p:style>
+        <p:txBody>
+          <a:bodyPr rtlCol="0" anchor="ctr"/>
+          <a:lstStyle/>
+          <a:p>
+            <a:pPr algn="ctr"/>
+            <a:endParaRPr lang="en-US"/>
+          </a:p>
+        </p:txBody>
+      </p:sp>
+      <p:sp>
+        <p:nvSpPr>
+          <p:cNvPr id="31" name="Rounded Rectangle 30">
+            <a:extLst>
+              <a:ext uri="{FF2B5EF4-FFF2-40B4-BE49-F238E27FC236}">
+                <a16:creationId xmlns:a16="http://schemas.microsoft.com/office/drawing/2014/main" id="{876BF9D0-A8AE-7A4C-A727-B727D9878708}"/>
+              </a:ext>
+            </a:extLst>
+          </p:cNvPr>
+          <p:cNvSpPr/>
+          <p:nvPr/>
+        </p:nvSpPr>
+        <p:spPr>
+          <a:xfrm>
+            <a:off x="8503743" y="4584971"/>
+            <a:ext cx="3241040" cy="936788"/>
+          </a:xfrm>
+          <a:prstGeom prst="roundRect">
+            <a:avLst/>
+          </a:prstGeom>
+          <a:solidFill>
+            <a:schemeClr val="accent6">
+              <a:lumMod val="40000"/>
+              <a:lumOff val="60000"/>
+            </a:schemeClr>
+          </a:solidFill>
+        </p:spPr>
+        <p:style>
+          <a:lnRef idx="2">
+            <a:schemeClr val="accent1">
+              <a:shade val="50000"/>
+            </a:schemeClr>
+          </a:lnRef>
+          <a:fillRef idx="1">
+            <a:schemeClr val="accent1"/>
+          </a:fillRef>
+          <a:effectRef idx="0">
+            <a:schemeClr val="accent1"/>
+          </a:effectRef>
+          <a:fontRef idx="minor">
+            <a:schemeClr val="lt1"/>
+          </a:fontRef>
+        </p:style>
+        <p:txBody>
+          <a:bodyPr rtlCol="0" anchor="ctr"/>
+          <a:lstStyle/>
+          <a:p>
+            <a:pPr algn="ctr"/>
+            <a:endParaRPr lang="en-US"/>
+          </a:p>
+        </p:txBody>
+      </p:sp>
+      <p:sp>
+        <p:nvSpPr>
+          <p:cNvPr id="32" name="Rounded Rectangle 31">
+            <a:extLst>
+              <a:ext uri="{FF2B5EF4-FFF2-40B4-BE49-F238E27FC236}">
+                <a16:creationId xmlns:a16="http://schemas.microsoft.com/office/drawing/2014/main" id="{5B813449-2CEF-2448-BDB2-96A412E93452}"/>
+              </a:ext>
+            </a:extLst>
+          </p:cNvPr>
+          <p:cNvSpPr/>
+          <p:nvPr/>
+        </p:nvSpPr>
+        <p:spPr>
+          <a:xfrm>
+            <a:off x="8503743" y="5629691"/>
+            <a:ext cx="3241040" cy="936788"/>
+          </a:xfrm>
+          <a:prstGeom prst="roundRect">
+            <a:avLst/>
+          </a:prstGeom>
+          <a:solidFill>
+            <a:schemeClr val="accent6">
+              <a:lumMod val="40000"/>
+              <a:lumOff val="60000"/>
+            </a:schemeClr>
+          </a:solidFill>
+        </p:spPr>
+        <p:style>
+          <a:lnRef idx="2">
+            <a:schemeClr val="accent1">
+              <a:shade val="50000"/>
+            </a:schemeClr>
+          </a:lnRef>
+          <a:fillRef idx="1">
+            <a:schemeClr val="accent1"/>
+          </a:fillRef>
+          <a:effectRef idx="0">
+            <a:schemeClr val="accent1"/>
+          </a:effectRef>
+          <a:fontRef idx="minor">
+            <a:schemeClr val="lt1"/>
+          </a:fontRef>
+        </p:style>
+        <p:txBody>
+          <a:bodyPr rtlCol="0" anchor="ctr"/>
+          <a:lstStyle/>
+          <a:p>
+            <a:pPr algn="ctr"/>
+            <a:endParaRPr lang="en-US"/>
+          </a:p>
+        </p:txBody>
+      </p:sp>
+      <p:sp>
+        <p:nvSpPr>
+          <p:cNvPr id="33" name="TextBox 32">
+            <a:extLst>
+              <a:ext uri="{FF2B5EF4-FFF2-40B4-BE49-F238E27FC236}">
+                <a16:creationId xmlns:a16="http://schemas.microsoft.com/office/drawing/2014/main" id="{6D311BFB-9150-FF4D-B1CF-4640A9106761}"/>
+              </a:ext>
+            </a:extLst>
+          </p:cNvPr>
+          <p:cNvSpPr txBox="1"/>
+          <p:nvPr/>
+        </p:nvSpPr>
+        <p:spPr>
+          <a:xfrm>
+            <a:off x="10647146" y="4933984"/>
+            <a:ext cx="1240835" cy="246221"/>
+          </a:xfrm>
+          <a:prstGeom prst="rect">
+            <a:avLst/>
+          </a:prstGeom>
+          <a:noFill/>
+        </p:spPr>
+        <p:txBody>
+          <a:bodyPr vert="horz" wrap="square" rtlCol="0">
+            <a:spAutoFit/>
+          </a:bodyPr>
+          <a:lstStyle/>
+          <a:p>
+            <a:pPr algn="ctr"/>
+            <a:r>
+              <a:rPr lang="en-US" sz="1000" dirty="0">
+                <a:solidFill>
+                  <a:schemeClr val="bg2">
+                    <a:lumMod val="50000"/>
+                  </a:schemeClr>
+                </a:solidFill>
+                <a:latin typeface="Sharp Grotesk DB Book 22" panose="020B0505050702030204" pitchFamily="34" charset="77"/>
+              </a:rPr>
+              <a:t>Helpdesk</a:t>
+            </a:r>
+          </a:p>
+        </p:txBody>
+      </p:sp>
+      <p:sp>
+        <p:nvSpPr>
+          <p:cNvPr id="34" name="TextBox 33">
+            <a:extLst>
+              <a:ext uri="{FF2B5EF4-FFF2-40B4-BE49-F238E27FC236}">
+                <a16:creationId xmlns:a16="http://schemas.microsoft.com/office/drawing/2014/main" id="{C79FB275-645D-C14F-96EC-970E1DDD1120}"/>
+              </a:ext>
+            </a:extLst>
+          </p:cNvPr>
+          <p:cNvSpPr txBox="1"/>
+          <p:nvPr/>
+        </p:nvSpPr>
+        <p:spPr>
+          <a:xfrm>
+            <a:off x="10647146" y="5966101"/>
+            <a:ext cx="1240835" cy="246221"/>
+          </a:xfrm>
+          <a:prstGeom prst="rect">
+            <a:avLst/>
+          </a:prstGeom>
+          <a:noFill/>
+        </p:spPr>
+        <p:txBody>
+          <a:bodyPr vert="horz" wrap="square" rtlCol="0">
+            <a:spAutoFit/>
+          </a:bodyPr>
+          <a:lstStyle/>
+          <a:p>
+            <a:pPr algn="ctr"/>
+            <a:r>
+              <a:rPr lang="en-US" sz="1000" dirty="0">
+                <a:solidFill>
+                  <a:schemeClr val="bg2">
+                    <a:lumMod val="50000"/>
+                  </a:schemeClr>
+                </a:solidFill>
+                <a:latin typeface="Sharp Grotesk DB Book 22" panose="020B0505050702030204" pitchFamily="34" charset="77"/>
+              </a:rPr>
+              <a:t>Backup</a:t>
+            </a:r>
+          </a:p>
+        </p:txBody>
+      </p:sp>
+      <p:sp>
+        <p:nvSpPr>
+          <p:cNvPr id="47" name="Rounded Rectangle 46">
+            <a:extLst>
+              <a:ext uri="{FF2B5EF4-FFF2-40B4-BE49-F238E27FC236}">
+                <a16:creationId xmlns:a16="http://schemas.microsoft.com/office/drawing/2014/main" id="{2E6C0C02-5CF4-C548-954F-EEFA42957D46}"/>
+              </a:ext>
+            </a:extLst>
+          </p:cNvPr>
+          <p:cNvSpPr/>
+          <p:nvPr/>
+        </p:nvSpPr>
+        <p:spPr>
+          <a:xfrm>
+            <a:off x="5334874" y="4692199"/>
+            <a:ext cx="1662209" cy="1659119"/>
+          </a:xfrm>
+          <a:prstGeom prst="roundRect">
+            <a:avLst/>
+          </a:prstGeom>
+          <a:solidFill>
+            <a:srgbClr val="CFCDCD"/>
+          </a:solidFill>
+        </p:spPr>
+        <p:style>
+          <a:lnRef idx="2">
+            <a:schemeClr val="accent1">
+              <a:shade val="50000"/>
+            </a:schemeClr>
+          </a:lnRef>
+          <a:fillRef idx="1">
+            <a:schemeClr val="accent1"/>
+          </a:fillRef>
+          <a:effectRef idx="0">
+            <a:schemeClr val="accent1"/>
+          </a:effectRef>
+          <a:fontRef idx="minor">
+            <a:schemeClr val="lt1"/>
+          </a:fontRef>
+        </p:style>
+        <p:txBody>
+          <a:bodyPr rtlCol="0" anchor="ctr"/>
+          <a:lstStyle/>
+          <a:p>
+            <a:pPr algn="ctr"/>
+            <a:endParaRPr lang="en-US" dirty="0"/>
+          </a:p>
+        </p:txBody>
+      </p:sp>
+      <p:sp>
+        <p:nvSpPr>
+          <p:cNvPr id="48" name="TextBox 47">
+            <a:extLst>
+              <a:ext uri="{FF2B5EF4-FFF2-40B4-BE49-F238E27FC236}">
+                <a16:creationId xmlns:a16="http://schemas.microsoft.com/office/drawing/2014/main" id="{5BDE4ADD-48E3-274D-AE54-95B8F5609416}"/>
+              </a:ext>
+            </a:extLst>
+          </p:cNvPr>
+          <p:cNvSpPr txBox="1"/>
+          <p:nvPr/>
+        </p:nvSpPr>
+        <p:spPr>
+          <a:xfrm>
+            <a:off x="5550815" y="4751460"/>
+            <a:ext cx="1240835" cy="400110"/>
+          </a:xfrm>
+          <a:prstGeom prst="rect">
+            <a:avLst/>
+          </a:prstGeom>
+          <a:solidFill>
+            <a:srgbClr val="CFCDCD"/>
+          </a:solidFill>
+        </p:spPr>
+        <p:txBody>
+          <a:bodyPr vert="horz" wrap="square" rtlCol="0">
+            <a:spAutoFit/>
+          </a:bodyPr>
+          <a:lstStyle/>
+          <a:p>
+            <a:pPr algn="ctr"/>
+            <a:r>
+              <a:rPr lang="en-US" sz="1000" dirty="0">
+                <a:solidFill>
+                  <a:srgbClr val="003399"/>
+                </a:solidFill>
+                <a:latin typeface="Sharp Grotesk DB Book 22" panose="020B0505050702030204" pitchFamily="34" charset="77"/>
+              </a:rPr>
+              <a:t>Workflow Application</a:t>
+            </a:r>
+          </a:p>
+        </p:txBody>
+      </p:sp>
+      <p:cxnSp>
+        <p:nvCxnSpPr>
+          <p:cNvPr id="55" name="Straight Connector 54">
+            <a:extLst>
+              <a:ext uri="{FF2B5EF4-FFF2-40B4-BE49-F238E27FC236}">
+                <a16:creationId xmlns:a16="http://schemas.microsoft.com/office/drawing/2014/main" id="{2525DB26-F0B2-7F42-96B3-F995D4FD7F04}"/>
+              </a:ext>
+            </a:extLst>
+          </p:cNvPr>
+          <p:cNvCxnSpPr/>
+          <p:nvPr/>
+        </p:nvCxnSpPr>
+        <p:spPr>
+          <a:xfrm flipH="1">
+            <a:off x="4618648" y="2377790"/>
+            <a:ext cx="460660" cy="0"/>
+          </a:xfrm>
+          <a:prstGeom prst="line">
+            <a:avLst/>
+          </a:prstGeom>
+          <a:ln w="31750">
+            <a:solidFill>
+              <a:srgbClr val="003399"/>
+            </a:solidFill>
+            <a:headEnd type="triangle"/>
+          </a:ln>
+        </p:spPr>
+        <p:style>
+          <a:lnRef idx="2">
+            <a:schemeClr val="accent1"/>
+          </a:lnRef>
+          <a:fillRef idx="0">
+            <a:schemeClr val="accent1"/>
+          </a:fillRef>
+          <a:effectRef idx="1">
+            <a:schemeClr val="accent1"/>
+          </a:effectRef>
+          <a:fontRef idx="minor">
+            <a:schemeClr val="tx1"/>
+          </a:fontRef>
+        </p:style>
+      </p:cxnSp>
+      <p:cxnSp>
+        <p:nvCxnSpPr>
+          <p:cNvPr id="56" name="Straight Connector 55">
+            <a:extLst>
+              <a:ext uri="{FF2B5EF4-FFF2-40B4-BE49-F238E27FC236}">
+                <a16:creationId xmlns:a16="http://schemas.microsoft.com/office/drawing/2014/main" id="{E3B73365-B7FB-194F-B3B4-761C348F02FA}"/>
+              </a:ext>
+            </a:extLst>
+          </p:cNvPr>
+          <p:cNvCxnSpPr>
+            <a:cxnSpLocks/>
+          </p:cNvCxnSpPr>
+          <p:nvPr/>
+        </p:nvCxnSpPr>
+        <p:spPr>
+          <a:xfrm flipV="1">
+            <a:off x="4608866" y="1847740"/>
+            <a:ext cx="0" cy="4250344"/>
+          </a:xfrm>
+          <a:prstGeom prst="line">
+            <a:avLst/>
+          </a:prstGeom>
+          <a:ln w="31750">
+            <a:solidFill>
+              <a:srgbClr val="003399"/>
+            </a:solidFill>
+            <a:headEnd type="none"/>
+            <a:tailEnd type="none"/>
+          </a:ln>
+        </p:spPr>
+        <p:style>
+          <a:lnRef idx="2">
+            <a:schemeClr val="accent1"/>
+          </a:lnRef>
+          <a:fillRef idx="0">
+            <a:schemeClr val="accent1"/>
+          </a:fillRef>
+          <a:effectRef idx="1">
+            <a:schemeClr val="accent1"/>
+          </a:effectRef>
+          <a:fontRef idx="minor">
+            <a:schemeClr val="tx1"/>
+          </a:fontRef>
+        </p:style>
+      </p:cxnSp>
+      <p:cxnSp>
+        <p:nvCxnSpPr>
+          <p:cNvPr id="59" name="Straight Connector 58">
+            <a:extLst>
+              <a:ext uri="{FF2B5EF4-FFF2-40B4-BE49-F238E27FC236}">
+                <a16:creationId xmlns:a16="http://schemas.microsoft.com/office/drawing/2014/main" id="{BE0B094B-1914-AD46-A121-C2A8D8880D43}"/>
+              </a:ext>
+            </a:extLst>
+          </p:cNvPr>
+          <p:cNvCxnSpPr>
+            <a:cxnSpLocks/>
+          </p:cNvCxnSpPr>
+          <p:nvPr/>
+        </p:nvCxnSpPr>
+        <p:spPr>
+          <a:xfrm flipH="1">
+            <a:off x="7197707" y="2371526"/>
+            <a:ext cx="460660" cy="0"/>
+          </a:xfrm>
+          <a:prstGeom prst="line">
+            <a:avLst/>
+          </a:prstGeom>
+          <a:ln w="31750">
+            <a:solidFill>
+              <a:srgbClr val="003399"/>
+            </a:solidFill>
+            <a:headEnd type="none"/>
+            <a:tailEnd type="triangle"/>
+          </a:ln>
+        </p:spPr>
+        <p:style>
+          <a:lnRef idx="1">
+            <a:schemeClr val="accent1"/>
+          </a:lnRef>
+          <a:fillRef idx="0">
+            <a:schemeClr val="accent1"/>
+          </a:fillRef>
+          <a:effectRef idx="0">
+            <a:schemeClr val="accent1"/>
+          </a:effectRef>
+          <a:fontRef idx="minor">
+            <a:schemeClr val="tx1"/>
+          </a:fontRef>
+        </p:style>
+      </p:cxnSp>
+      <p:cxnSp>
+        <p:nvCxnSpPr>
+          <p:cNvPr id="68" name="Straight Connector 67">
+            <a:extLst>
+              <a:ext uri="{FF2B5EF4-FFF2-40B4-BE49-F238E27FC236}">
+                <a16:creationId xmlns:a16="http://schemas.microsoft.com/office/drawing/2014/main" id="{C0B55FA2-BC12-8346-A813-431E182FC1EC}"/>
+              </a:ext>
+            </a:extLst>
+          </p:cNvPr>
+          <p:cNvCxnSpPr>
+            <a:cxnSpLocks/>
+          </p:cNvCxnSpPr>
+          <p:nvPr/>
+        </p:nvCxnSpPr>
+        <p:spPr>
+          <a:xfrm flipV="1">
+            <a:off x="7666638" y="1847740"/>
+            <a:ext cx="0" cy="4250344"/>
+          </a:xfrm>
+          <a:prstGeom prst="line">
+            <a:avLst/>
+          </a:prstGeom>
+          <a:ln w="31750">
+            <a:solidFill>
+              <a:srgbClr val="003399"/>
+            </a:solidFill>
+          </a:ln>
+        </p:spPr>
+        <p:style>
+          <a:lnRef idx="1">
+            <a:schemeClr val="accent1"/>
+          </a:lnRef>
+          <a:fillRef idx="0">
+            <a:schemeClr val="accent1"/>
+          </a:fillRef>
+          <a:effectRef idx="0">
+            <a:schemeClr val="accent1"/>
+          </a:effectRef>
+          <a:fontRef idx="minor">
+            <a:schemeClr val="tx1"/>
+          </a:fontRef>
+        </p:style>
+      </p:cxnSp>
+      <p:cxnSp>
+        <p:nvCxnSpPr>
+          <p:cNvPr id="69" name="Straight Connector 68">
+            <a:extLst>
+              <a:ext uri="{FF2B5EF4-FFF2-40B4-BE49-F238E27FC236}">
+                <a16:creationId xmlns:a16="http://schemas.microsoft.com/office/drawing/2014/main" id="{57DD62DD-D0E8-5546-97D4-2BDDEC051E8B}"/>
+              </a:ext>
+            </a:extLst>
+          </p:cNvPr>
+          <p:cNvCxnSpPr>
+            <a:cxnSpLocks/>
+          </p:cNvCxnSpPr>
+          <p:nvPr/>
+        </p:nvCxnSpPr>
+        <p:spPr>
+          <a:xfrm flipH="1">
+            <a:off x="3962400" y="1850523"/>
+            <a:ext cx="646466" cy="0"/>
+          </a:xfrm>
+          <a:prstGeom prst="line">
+            <a:avLst/>
+          </a:prstGeom>
+          <a:ln w="31750">
+            <a:solidFill>
+              <a:srgbClr val="003399"/>
+            </a:solidFill>
+            <a:headEnd type="none"/>
+            <a:tailEnd type="triangle"/>
+          </a:ln>
+        </p:spPr>
+        <p:style>
+          <a:lnRef idx="2">
+            <a:schemeClr val="accent1"/>
+          </a:lnRef>
+          <a:fillRef idx="0">
+            <a:schemeClr val="accent1"/>
+          </a:fillRef>
+          <a:effectRef idx="1">
+            <a:schemeClr val="accent1"/>
+          </a:effectRef>
+          <a:fontRef idx="minor">
+            <a:schemeClr val="tx1"/>
+          </a:fontRef>
+        </p:style>
+      </p:cxnSp>
+      <p:cxnSp>
+        <p:nvCxnSpPr>
+          <p:cNvPr id="73" name="Straight Connector 72">
+            <a:extLst>
+              <a:ext uri="{FF2B5EF4-FFF2-40B4-BE49-F238E27FC236}">
+                <a16:creationId xmlns:a16="http://schemas.microsoft.com/office/drawing/2014/main" id="{001757D8-B1C1-8E41-817D-22F855C39450}"/>
+              </a:ext>
+            </a:extLst>
+          </p:cNvPr>
+          <p:cNvCxnSpPr>
+            <a:cxnSpLocks/>
+          </p:cNvCxnSpPr>
+          <p:nvPr/>
+        </p:nvCxnSpPr>
+        <p:spPr>
+          <a:xfrm flipH="1">
+            <a:off x="3972182" y="2950498"/>
+            <a:ext cx="646466" cy="0"/>
+          </a:xfrm>
+          <a:prstGeom prst="line">
+            <a:avLst/>
+          </a:prstGeom>
+          <a:ln w="31750">
+            <a:solidFill>
+              <a:srgbClr val="003399"/>
+            </a:solidFill>
+            <a:headEnd type="none"/>
+            <a:tailEnd type="triangle"/>
+          </a:ln>
+        </p:spPr>
+        <p:style>
+          <a:lnRef idx="2">
+            <a:schemeClr val="accent1"/>
+          </a:lnRef>
+          <a:fillRef idx="0">
+            <a:schemeClr val="accent1"/>
+          </a:fillRef>
+          <a:effectRef idx="1">
+            <a:schemeClr val="accent1"/>
+          </a:effectRef>
+          <a:fontRef idx="minor">
+            <a:schemeClr val="tx1"/>
+          </a:fontRef>
+        </p:style>
+      </p:cxnSp>
+      <p:cxnSp>
+        <p:nvCxnSpPr>
+          <p:cNvPr id="74" name="Straight Connector 73">
+            <a:extLst>
+              <a:ext uri="{FF2B5EF4-FFF2-40B4-BE49-F238E27FC236}">
+                <a16:creationId xmlns:a16="http://schemas.microsoft.com/office/drawing/2014/main" id="{2B558910-6A7E-5445-AA91-8B02F2FEF1C6}"/>
+              </a:ext>
+            </a:extLst>
+          </p:cNvPr>
+          <p:cNvCxnSpPr>
+            <a:cxnSpLocks/>
+          </p:cNvCxnSpPr>
+          <p:nvPr/>
+        </p:nvCxnSpPr>
+        <p:spPr>
+          <a:xfrm flipH="1">
+            <a:off x="3972182" y="4008645"/>
+            <a:ext cx="646466" cy="0"/>
+          </a:xfrm>
+          <a:prstGeom prst="line">
+            <a:avLst/>
+          </a:prstGeom>
+          <a:ln w="31750">
+            <a:solidFill>
+              <a:srgbClr val="003399"/>
+            </a:solidFill>
+            <a:headEnd type="none"/>
+            <a:tailEnd type="triangle"/>
+          </a:ln>
+        </p:spPr>
+        <p:style>
+          <a:lnRef idx="2">
+            <a:schemeClr val="accent1"/>
+          </a:lnRef>
+          <a:fillRef idx="0">
+            <a:schemeClr val="accent1"/>
+          </a:fillRef>
+          <a:effectRef idx="1">
+            <a:schemeClr val="accent1"/>
+          </a:effectRef>
+          <a:fontRef idx="minor">
+            <a:schemeClr val="tx1"/>
+          </a:fontRef>
+        </p:style>
+      </p:cxnSp>
+      <p:cxnSp>
+        <p:nvCxnSpPr>
+          <p:cNvPr id="75" name="Straight Connector 74">
+            <a:extLst>
+              <a:ext uri="{FF2B5EF4-FFF2-40B4-BE49-F238E27FC236}">
+                <a16:creationId xmlns:a16="http://schemas.microsoft.com/office/drawing/2014/main" id="{2CF531E3-8969-1148-8C58-1A57E3858B9A}"/>
+              </a:ext>
+            </a:extLst>
+          </p:cNvPr>
+          <p:cNvCxnSpPr>
+            <a:cxnSpLocks/>
+          </p:cNvCxnSpPr>
+          <p:nvPr/>
+        </p:nvCxnSpPr>
+        <p:spPr>
+          <a:xfrm flipH="1">
+            <a:off x="3972182" y="5038491"/>
+            <a:ext cx="646466" cy="0"/>
+          </a:xfrm>
+          <a:prstGeom prst="line">
+            <a:avLst/>
+          </a:prstGeom>
+          <a:ln w="31750">
+            <a:solidFill>
+              <a:srgbClr val="003399"/>
+            </a:solidFill>
+            <a:headEnd type="none"/>
+            <a:tailEnd type="triangle"/>
+          </a:ln>
+        </p:spPr>
+        <p:style>
+          <a:lnRef idx="2">
+            <a:schemeClr val="accent1"/>
+          </a:lnRef>
+          <a:fillRef idx="0">
+            <a:schemeClr val="accent1"/>
+          </a:fillRef>
+          <a:effectRef idx="1">
+            <a:schemeClr val="accent1"/>
+          </a:effectRef>
+          <a:fontRef idx="minor">
+            <a:schemeClr val="tx1"/>
+          </a:fontRef>
+        </p:style>
+      </p:cxnSp>
+      <p:cxnSp>
+        <p:nvCxnSpPr>
+          <p:cNvPr id="76" name="Straight Connector 75">
+            <a:extLst>
+              <a:ext uri="{FF2B5EF4-FFF2-40B4-BE49-F238E27FC236}">
+                <a16:creationId xmlns:a16="http://schemas.microsoft.com/office/drawing/2014/main" id="{C963ADD7-4D10-5440-8181-D132DE575297}"/>
+              </a:ext>
+            </a:extLst>
+          </p:cNvPr>
+          <p:cNvCxnSpPr>
+            <a:cxnSpLocks/>
+          </p:cNvCxnSpPr>
+          <p:nvPr/>
+        </p:nvCxnSpPr>
+        <p:spPr>
+          <a:xfrm flipH="1">
+            <a:off x="3972182" y="6096865"/>
+            <a:ext cx="646466" cy="0"/>
+          </a:xfrm>
+          <a:prstGeom prst="line">
+            <a:avLst/>
+          </a:prstGeom>
+          <a:ln w="31750">
+            <a:solidFill>
+              <a:srgbClr val="003399"/>
+            </a:solidFill>
+            <a:headEnd type="none"/>
+            <a:tailEnd type="triangle"/>
+          </a:ln>
+        </p:spPr>
+        <p:style>
+          <a:lnRef idx="2">
+            <a:schemeClr val="accent1"/>
+          </a:lnRef>
+          <a:fillRef idx="0">
+            <a:schemeClr val="accent1"/>
+          </a:fillRef>
+          <a:effectRef idx="1">
+            <a:schemeClr val="accent1"/>
+          </a:effectRef>
+          <a:fontRef idx="minor">
+            <a:schemeClr val="tx1"/>
+          </a:fontRef>
+        </p:style>
+      </p:cxnSp>
+      <p:cxnSp>
+        <p:nvCxnSpPr>
+          <p:cNvPr id="77" name="Straight Connector 76">
+            <a:extLst>
+              <a:ext uri="{FF2B5EF4-FFF2-40B4-BE49-F238E27FC236}">
+                <a16:creationId xmlns:a16="http://schemas.microsoft.com/office/drawing/2014/main" id="{8C13DABB-CAAA-6A44-B0C4-1EDBF8C96159}"/>
+              </a:ext>
+            </a:extLst>
+          </p:cNvPr>
+          <p:cNvCxnSpPr>
+            <a:cxnSpLocks/>
+          </p:cNvCxnSpPr>
+          <p:nvPr/>
+        </p:nvCxnSpPr>
+        <p:spPr>
+          <a:xfrm flipH="1">
+            <a:off x="7666638" y="1847740"/>
+            <a:ext cx="622783" cy="0"/>
+          </a:xfrm>
+          <a:prstGeom prst="line">
+            <a:avLst/>
+          </a:prstGeom>
+          <a:ln w="31750">
+            <a:solidFill>
+              <a:srgbClr val="003399"/>
+            </a:solidFill>
+            <a:headEnd type="triangle"/>
+            <a:tailEnd type="none"/>
+          </a:ln>
+        </p:spPr>
+        <p:style>
+          <a:lnRef idx="1">
+            <a:schemeClr val="accent1"/>
+          </a:lnRef>
+          <a:fillRef idx="0">
+            <a:schemeClr val="accent1"/>
+          </a:fillRef>
+          <a:effectRef idx="0">
+            <a:schemeClr val="accent1"/>
+          </a:effectRef>
+          <a:fontRef idx="minor">
+            <a:schemeClr val="tx1"/>
+          </a:fontRef>
+        </p:style>
+      </p:cxnSp>
+      <p:cxnSp>
+        <p:nvCxnSpPr>
+          <p:cNvPr id="79" name="Straight Connector 78">
+            <a:extLst>
+              <a:ext uri="{FF2B5EF4-FFF2-40B4-BE49-F238E27FC236}">
+                <a16:creationId xmlns:a16="http://schemas.microsoft.com/office/drawing/2014/main" id="{E8340FDA-79DE-1548-A5FB-6EFA2C5E4D59}"/>
+              </a:ext>
+            </a:extLst>
+          </p:cNvPr>
+          <p:cNvCxnSpPr>
+            <a:cxnSpLocks/>
+          </p:cNvCxnSpPr>
+          <p:nvPr/>
+        </p:nvCxnSpPr>
+        <p:spPr>
+          <a:xfrm flipH="1">
+            <a:off x="7672571" y="2964183"/>
+            <a:ext cx="622783" cy="0"/>
+          </a:xfrm>
+          <a:prstGeom prst="line">
+            <a:avLst/>
+          </a:prstGeom>
+          <a:ln w="31750">
+            <a:solidFill>
+              <a:srgbClr val="003399"/>
+            </a:solidFill>
+            <a:headEnd type="triangle"/>
+            <a:tailEnd type="none"/>
+          </a:ln>
+        </p:spPr>
+        <p:style>
+          <a:lnRef idx="1">
+            <a:schemeClr val="accent1"/>
+          </a:lnRef>
+          <a:fillRef idx="0">
+            <a:schemeClr val="accent1"/>
+          </a:fillRef>
+          <a:effectRef idx="0">
+            <a:schemeClr val="accent1"/>
+          </a:effectRef>
+          <a:fontRef idx="minor">
+            <a:schemeClr val="tx1"/>
+          </a:fontRef>
+        </p:style>
+      </p:cxnSp>
+      <p:cxnSp>
+        <p:nvCxnSpPr>
+          <p:cNvPr id="80" name="Straight Connector 79">
+            <a:extLst>
+              <a:ext uri="{FF2B5EF4-FFF2-40B4-BE49-F238E27FC236}">
+                <a16:creationId xmlns:a16="http://schemas.microsoft.com/office/drawing/2014/main" id="{4401A983-6E2A-F04D-9B2A-476F3A32C89D}"/>
+              </a:ext>
+            </a:extLst>
+          </p:cNvPr>
+          <p:cNvCxnSpPr>
+            <a:cxnSpLocks/>
+          </p:cNvCxnSpPr>
+          <p:nvPr/>
+        </p:nvCxnSpPr>
+        <p:spPr>
+          <a:xfrm flipH="1">
+            <a:off x="7658367" y="5048376"/>
+            <a:ext cx="622783" cy="0"/>
+          </a:xfrm>
+          <a:prstGeom prst="line">
+            <a:avLst/>
+          </a:prstGeom>
+          <a:ln w="31750">
+            <a:solidFill>
+              <a:srgbClr val="003399"/>
+            </a:solidFill>
+            <a:headEnd type="triangle"/>
+            <a:tailEnd type="none"/>
+          </a:ln>
+        </p:spPr>
+        <p:style>
+          <a:lnRef idx="1">
+            <a:schemeClr val="accent1"/>
+          </a:lnRef>
+          <a:fillRef idx="0">
+            <a:schemeClr val="accent1"/>
+          </a:fillRef>
+          <a:effectRef idx="0">
+            <a:schemeClr val="accent1"/>
+          </a:effectRef>
+          <a:fontRef idx="minor">
+            <a:schemeClr val="tx1"/>
+          </a:fontRef>
+        </p:style>
+      </p:cxnSp>
+      <p:cxnSp>
+        <p:nvCxnSpPr>
+          <p:cNvPr id="81" name="Straight Connector 80">
+            <a:extLst>
+              <a:ext uri="{FF2B5EF4-FFF2-40B4-BE49-F238E27FC236}">
+                <a16:creationId xmlns:a16="http://schemas.microsoft.com/office/drawing/2014/main" id="{24DB2772-9EF1-9841-9A67-69987310DA9C}"/>
+              </a:ext>
+            </a:extLst>
+          </p:cNvPr>
+          <p:cNvCxnSpPr>
+            <a:cxnSpLocks/>
+          </p:cNvCxnSpPr>
+          <p:nvPr/>
+        </p:nvCxnSpPr>
+        <p:spPr>
+          <a:xfrm flipH="1">
+            <a:off x="7666540" y="6096865"/>
+            <a:ext cx="622783" cy="0"/>
+          </a:xfrm>
+          <a:prstGeom prst="line">
+            <a:avLst/>
+          </a:prstGeom>
+          <a:ln w="31750">
+            <a:solidFill>
+              <a:srgbClr val="003399"/>
+            </a:solidFill>
+            <a:headEnd type="triangle"/>
+            <a:tailEnd type="none"/>
+          </a:ln>
+        </p:spPr>
+        <p:style>
+          <a:lnRef idx="1">
+            <a:schemeClr val="accent1"/>
+          </a:lnRef>
+          <a:fillRef idx="0">
+            <a:schemeClr val="accent1"/>
+          </a:fillRef>
+          <a:effectRef idx="0">
+            <a:schemeClr val="accent1"/>
+          </a:effectRef>
+          <a:fontRef idx="minor">
+            <a:schemeClr val="tx1"/>
+          </a:fontRef>
+        </p:style>
+      </p:cxnSp>
+      <p:sp>
+        <p:nvSpPr>
+          <p:cNvPr id="82" name="Up-down Arrow 81">
+            <a:extLst>
+              <a:ext uri="{FF2B5EF4-FFF2-40B4-BE49-F238E27FC236}">
+                <a16:creationId xmlns:a16="http://schemas.microsoft.com/office/drawing/2014/main" id="{832775B8-9F71-4A46-ABCD-8207D3B4BBA6}"/>
+              </a:ext>
+            </a:extLst>
+          </p:cNvPr>
+          <p:cNvSpPr/>
+          <p:nvPr/>
+        </p:nvSpPr>
+        <p:spPr>
+          <a:xfrm>
+            <a:off x="5958764" y="3571414"/>
+            <a:ext cx="395086" cy="1007925"/>
+          </a:xfrm>
+          <a:prstGeom prst="upDownArrow">
+            <a:avLst/>
+          </a:prstGeom>
+          <a:solidFill>
+            <a:srgbClr val="0061FF"/>
+          </a:solidFill>
+          <a:ln>
+            <a:noFill/>
+          </a:ln>
+        </p:spPr>
+        <p:style>
+          <a:lnRef idx="2">
+            <a:schemeClr val="accent1">
+              <a:shade val="50000"/>
+            </a:schemeClr>
+          </a:lnRef>
+          <a:fillRef idx="1">
+            <a:schemeClr val="accent1"/>
+          </a:fillRef>
+          <a:effectRef idx="0">
+            <a:schemeClr val="accent1"/>
+          </a:effectRef>
+          <a:fontRef idx="minor">
+            <a:schemeClr val="lt1"/>
+          </a:fontRef>
+        </p:style>
+        <p:txBody>
+          <a:bodyPr rtlCol="0" anchor="ctr"/>
+          <a:lstStyle/>
+          <a:p>
+            <a:pPr algn="ctr"/>
+            <a:endParaRPr lang="en-US"/>
+          </a:p>
+        </p:txBody>
+      </p:sp>
+    </p:spTree>
+    <p:extLst>
+      <p:ext uri="{BB962C8B-B14F-4D97-AF65-F5344CB8AC3E}">
+        <p14:creationId xmlns:p14="http://schemas.microsoft.com/office/powerpoint/2010/main" val="3474369264"/>
+      </p:ext>
+    </p:extLst>
+  </p:cSld>
+  <p:clrMapOvr>
+    <a:masterClrMapping/>
+  </p:clrMapOvr>
+</p:sld>
+</file>
+
 <file path=ppt/theme/theme1.xml><?xml version="1.0" encoding="utf-8"?>
 <a:theme xmlns:a="http://schemas.openxmlformats.org/drawingml/2006/main" name="Office Theme">
   <a:themeElements>

--- a/public/architecture_creator/template-placeholder.pptx
+++ b/public/architecture_creator/template-placeholder.pptx
@@ -261,7 +261,7 @@
           <a:p>
             <a:fld id="{5FC243EB-A3B3-1F41-B77A-665553D1D443}" type="datetimeFigureOut">
               <a:rPr lang="en-US" smtClean="0"/>
-              <a:t>9/5/19</a:t>
+              <a:t>9/6/19</a:t>
             </a:fld>
             <a:endParaRPr lang="en-US"/>
           </a:p>
@@ -459,7 +459,7 @@
           <a:p>
             <a:fld id="{5FC243EB-A3B3-1F41-B77A-665553D1D443}" type="datetimeFigureOut">
               <a:rPr lang="en-US" smtClean="0"/>
-              <a:t>9/5/19</a:t>
+              <a:t>9/6/19</a:t>
             </a:fld>
             <a:endParaRPr lang="en-US"/>
           </a:p>
@@ -667,7 +667,7 @@
           <a:p>
             <a:fld id="{5FC243EB-A3B3-1F41-B77A-665553D1D443}" type="datetimeFigureOut">
               <a:rPr lang="en-US" smtClean="0"/>
-              <a:t>9/5/19</a:t>
+              <a:t>9/6/19</a:t>
             </a:fld>
             <a:endParaRPr lang="en-US"/>
           </a:p>
@@ -865,7 +865,7 @@
           <a:p>
             <a:fld id="{5FC243EB-A3B3-1F41-B77A-665553D1D443}" type="datetimeFigureOut">
               <a:rPr lang="en-US" smtClean="0"/>
-              <a:t>9/5/19</a:t>
+              <a:t>9/6/19</a:t>
             </a:fld>
             <a:endParaRPr lang="en-US"/>
           </a:p>
@@ -1140,7 +1140,7 @@
           <a:p>
             <a:fld id="{5FC243EB-A3B3-1F41-B77A-665553D1D443}" type="datetimeFigureOut">
               <a:rPr lang="en-US" smtClean="0"/>
-              <a:t>9/5/19</a:t>
+              <a:t>9/6/19</a:t>
             </a:fld>
             <a:endParaRPr lang="en-US"/>
           </a:p>
@@ -1405,7 +1405,7 @@
           <a:p>
             <a:fld id="{5FC243EB-A3B3-1F41-B77A-665553D1D443}" type="datetimeFigureOut">
               <a:rPr lang="en-US" smtClean="0"/>
-              <a:t>9/5/19</a:t>
+              <a:t>9/6/19</a:t>
             </a:fld>
             <a:endParaRPr lang="en-US"/>
           </a:p>
@@ -1817,7 +1817,7 @@
           <a:p>
             <a:fld id="{5FC243EB-A3B3-1F41-B77A-665553D1D443}" type="datetimeFigureOut">
               <a:rPr lang="en-US" smtClean="0"/>
-              <a:t>9/5/19</a:t>
+              <a:t>9/6/19</a:t>
             </a:fld>
             <a:endParaRPr lang="en-US"/>
           </a:p>
@@ -1958,7 +1958,7 @@
           <a:p>
             <a:fld id="{5FC243EB-A3B3-1F41-B77A-665553D1D443}" type="datetimeFigureOut">
               <a:rPr lang="en-US" smtClean="0"/>
-              <a:t>9/5/19</a:t>
+              <a:t>9/6/19</a:t>
             </a:fld>
             <a:endParaRPr lang="en-US"/>
           </a:p>
@@ -2071,7 +2071,7 @@
           <a:p>
             <a:fld id="{5FC243EB-A3B3-1F41-B77A-665553D1D443}" type="datetimeFigureOut">
               <a:rPr lang="en-US" smtClean="0"/>
-              <a:t>9/5/19</a:t>
+              <a:t>9/6/19</a:t>
             </a:fld>
             <a:endParaRPr lang="en-US"/>
           </a:p>
@@ -2382,7 +2382,7 @@
           <a:p>
             <a:fld id="{5FC243EB-A3B3-1F41-B77A-665553D1D443}" type="datetimeFigureOut">
               <a:rPr lang="en-US" smtClean="0"/>
-              <a:t>9/5/19</a:t>
+              <a:t>9/6/19</a:t>
             </a:fld>
             <a:endParaRPr lang="en-US"/>
           </a:p>
@@ -2670,7 +2670,7 @@
           <a:p>
             <a:fld id="{5FC243EB-A3B3-1F41-B77A-665553D1D443}" type="datetimeFigureOut">
               <a:rPr lang="en-US" smtClean="0"/>
-              <a:t>9/5/19</a:t>
+              <a:t>9/6/19</a:t>
             </a:fld>
             <a:endParaRPr lang="en-US"/>
           </a:p>
@@ -2911,7 +2911,7 @@
           <a:p>
             <a:fld id="{5FC243EB-A3B3-1F41-B77A-665553D1D443}" type="datetimeFigureOut">
               <a:rPr lang="en-US" smtClean="0"/>
-              <a:t>9/5/19</a:t>
+              <a:t>9/6/19</a:t>
             </a:fld>
             <a:endParaRPr lang="en-US"/>
           </a:p>
@@ -3495,7 +3495,7 @@
         </p:nvSpPr>
         <p:spPr>
           <a:xfrm>
-            <a:off x="5074268" y="1305561"/>
+            <a:off x="5074268" y="2644503"/>
             <a:ext cx="2123439" cy="2123439"/>
           </a:xfrm>
           <a:prstGeom prst="ellipse">
@@ -3550,7 +3550,7 @@
         </p:nvSpPr>
         <p:spPr>
           <a:xfrm>
-            <a:off x="312683" y="228491"/>
+            <a:off x="312683" y="-115"/>
             <a:ext cx="10515600" cy="633358"/>
           </a:xfrm>
         </p:spPr>
@@ -3592,7 +3592,7 @@
         </p:blipFill>
         <p:spPr>
           <a:xfrm>
-            <a:off x="5455267" y="1787274"/>
+            <a:off x="5455267" y="3126216"/>
             <a:ext cx="1402080" cy="1402080"/>
           </a:xfrm>
           <a:prstGeom prst="rect">
@@ -3614,7 +3614,7 @@
         </p:nvSpPr>
         <p:spPr>
           <a:xfrm rot="5400000">
-            <a:off x="5891605" y="994701"/>
+            <a:off x="5891605" y="2333643"/>
             <a:ext cx="492443" cy="1240221"/>
           </a:xfrm>
           <a:prstGeom prst="rect">
@@ -3655,7 +3655,7 @@
         </p:nvSpPr>
         <p:spPr>
           <a:xfrm>
-            <a:off x="1343746" y="986149"/>
+            <a:off x="1343746" y="681347"/>
             <a:ext cx="1584960" cy="369332"/>
           </a:xfrm>
           <a:prstGeom prst="rect">
@@ -3691,7 +3691,7 @@
         </p:nvSpPr>
         <p:spPr>
           <a:xfrm>
-            <a:off x="312683" y="1306191"/>
+            <a:off x="312683" y="1001389"/>
             <a:ext cx="3649717" cy="5399409"/>
           </a:xfrm>
           <a:prstGeom prst="rect">
@@ -3738,7 +3738,7 @@
         </p:nvSpPr>
         <p:spPr>
           <a:xfrm>
-            <a:off x="527005" y="1450811"/>
+            <a:off x="527005" y="1146009"/>
             <a:ext cx="3241040" cy="936788"/>
           </a:xfrm>
           <a:prstGeom prst="roundRect">
@@ -3790,7 +3790,7 @@
         </p:nvSpPr>
         <p:spPr>
           <a:xfrm>
-            <a:off x="527005" y="2495531"/>
+            <a:off x="527005" y="2190729"/>
             <a:ext cx="3241040" cy="936788"/>
           </a:xfrm>
           <a:prstGeom prst="roundRect">
@@ -3842,7 +3842,7 @@
         </p:nvSpPr>
         <p:spPr>
           <a:xfrm>
-            <a:off x="515706" y="3540251"/>
+            <a:off x="515706" y="3235449"/>
             <a:ext cx="3241040" cy="936788"/>
           </a:xfrm>
           <a:prstGeom prst="roundRect">
@@ -3894,7 +3894,7 @@
         </p:nvSpPr>
         <p:spPr>
           <a:xfrm>
-            <a:off x="527005" y="4584971"/>
+            <a:off x="527005" y="4280169"/>
             <a:ext cx="3241040" cy="936788"/>
           </a:xfrm>
           <a:prstGeom prst="roundRect">
@@ -3946,7 +3946,7 @@
         </p:nvSpPr>
         <p:spPr>
           <a:xfrm>
-            <a:off x="527005" y="5629690"/>
+            <a:off x="527005" y="5324888"/>
             <a:ext cx="3241040" cy="936788"/>
           </a:xfrm>
           <a:prstGeom prst="roundRect">
@@ -3998,7 +3998,7 @@
         </p:nvSpPr>
         <p:spPr>
           <a:xfrm>
-            <a:off x="598125" y="1675523"/>
+            <a:off x="598125" y="1370721"/>
             <a:ext cx="1240835" cy="553998"/>
           </a:xfrm>
           <a:prstGeom prst="rect">
@@ -4055,7 +4055,7 @@
         </p:nvSpPr>
         <p:spPr>
           <a:xfrm>
-            <a:off x="598124" y="2831941"/>
+            <a:off x="598124" y="2527139"/>
             <a:ext cx="1240835" cy="246221"/>
           </a:xfrm>
           <a:prstGeom prst="rect">
@@ -4098,7 +4098,7 @@
         </p:nvSpPr>
         <p:spPr>
           <a:xfrm>
-            <a:off x="598124" y="3876661"/>
+            <a:off x="598124" y="3571859"/>
             <a:ext cx="1240835" cy="246221"/>
           </a:xfrm>
           <a:prstGeom prst="rect">
@@ -4141,7 +4141,7 @@
         </p:nvSpPr>
         <p:spPr>
           <a:xfrm>
-            <a:off x="598124" y="4915381"/>
+            <a:off x="598124" y="4610579"/>
             <a:ext cx="1240835" cy="246221"/>
           </a:xfrm>
           <a:prstGeom prst="rect">
@@ -4184,7 +4184,7 @@
         </p:nvSpPr>
         <p:spPr>
           <a:xfrm>
-            <a:off x="598123" y="5898029"/>
+            <a:off x="598123" y="5593227"/>
             <a:ext cx="1240835" cy="400110"/>
           </a:xfrm>
           <a:prstGeom prst="rect">
@@ -4241,8 +4241,8 @@
         </p:nvSpPr>
         <p:spPr>
           <a:xfrm>
-            <a:off x="9148990" y="976799"/>
-            <a:ext cx="1879421" cy="369332"/>
+            <a:off x="8281150" y="671997"/>
+            <a:ext cx="3666259" cy="369332"/>
           </a:xfrm>
           <a:prstGeom prst="rect">
             <a:avLst/>
@@ -4258,7 +4258,7 @@
             <a:pPr algn="ctr"/>
             <a:r>
               <a:rPr lang="en-US" dirty="0"/>
-              <a:t>Core Applications</a:t>
+              <a:t>End User and IT Applications</a:t>
             </a:r>
           </a:p>
         </p:txBody>
@@ -4277,8 +4277,8 @@
         </p:nvSpPr>
         <p:spPr>
           <a:xfrm>
-            <a:off x="8289421" y="1306192"/>
-            <a:ext cx="3649717" cy="2270854"/>
+            <a:off x="8289421" y="1001389"/>
+            <a:ext cx="3649717" cy="5399406"/>
           </a:xfrm>
           <a:prstGeom prst="rect">
             <a:avLst/>
@@ -4324,7 +4324,7 @@
         </p:nvSpPr>
         <p:spPr>
           <a:xfrm>
-            <a:off x="8503743" y="1450811"/>
+            <a:off x="8503743" y="1146009"/>
             <a:ext cx="3241040" cy="936788"/>
           </a:xfrm>
           <a:prstGeom prst="roundRect">
@@ -4376,7 +4376,7 @@
         </p:nvSpPr>
         <p:spPr>
           <a:xfrm>
-            <a:off x="8503743" y="2495531"/>
+            <a:off x="8503743" y="2190729"/>
             <a:ext cx="3241040" cy="936788"/>
           </a:xfrm>
           <a:prstGeom prst="roundRect">
@@ -4428,7 +4428,7 @@
         </p:nvSpPr>
         <p:spPr>
           <a:xfrm>
-            <a:off x="10647146" y="1799824"/>
+            <a:off x="10647146" y="1495022"/>
             <a:ext cx="1240835" cy="246221"/>
           </a:xfrm>
           <a:prstGeom prst="rect">
@@ -4471,7 +4471,7 @@
         </p:nvSpPr>
         <p:spPr>
           <a:xfrm>
-            <a:off x="10647146" y="2831941"/>
+            <a:off x="10647146" y="2527139"/>
             <a:ext cx="1240835" cy="246221"/>
           </a:xfrm>
           <a:prstGeom prst="rect">
@@ -4514,7 +4514,7 @@
         </p:nvSpPr>
         <p:spPr>
           <a:xfrm>
-            <a:off x="9296221" y="4120309"/>
+            <a:off x="9296221" y="3815507"/>
             <a:ext cx="1584960" cy="369332"/>
           </a:xfrm>
           <a:prstGeom prst="rect">
@@ -4538,10 +4538,10 @@
       </p:sp>
       <p:sp>
         <p:nvSpPr>
-          <p:cNvPr id="30" name="Rectangle 29">
-            <a:extLst>
-              <a:ext uri="{FF2B5EF4-FFF2-40B4-BE49-F238E27FC236}">
-                <a16:creationId xmlns:a16="http://schemas.microsoft.com/office/drawing/2014/main" id="{07D0CE89-33BD-064F-A188-08798711B01A}"/>
+          <p:cNvPr id="31" name="Rounded Rectangle 30">
+            <a:extLst>
+              <a:ext uri="{FF2B5EF4-FFF2-40B4-BE49-F238E27FC236}">
+                <a16:creationId xmlns:a16="http://schemas.microsoft.com/office/drawing/2014/main" id="{876BF9D0-A8AE-7A4C-A727-B727D9878708}"/>
               </a:ext>
             </a:extLst>
           </p:cNvPr>
@@ -4550,54 +4550,7 @@
         </p:nvSpPr>
         <p:spPr>
           <a:xfrm>
-            <a:off x="8289421" y="4440352"/>
-            <a:ext cx="3649717" cy="2270854"/>
-          </a:xfrm>
-          <a:prstGeom prst="rect">
-            <a:avLst/>
-          </a:prstGeom>
-          <a:noFill/>
-        </p:spPr>
-        <p:style>
-          <a:lnRef idx="2">
-            <a:schemeClr val="accent1">
-              <a:shade val="50000"/>
-            </a:schemeClr>
-          </a:lnRef>
-          <a:fillRef idx="1">
-            <a:schemeClr val="accent1"/>
-          </a:fillRef>
-          <a:effectRef idx="0">
-            <a:schemeClr val="accent1"/>
-          </a:effectRef>
-          <a:fontRef idx="minor">
-            <a:schemeClr val="lt1"/>
-          </a:fontRef>
-        </p:style>
-        <p:txBody>
-          <a:bodyPr rtlCol="0" anchor="ctr"/>
-          <a:lstStyle/>
-          <a:p>
-            <a:pPr algn="ctr"/>
-            <a:endParaRPr lang="en-US"/>
-          </a:p>
-        </p:txBody>
-      </p:sp>
-      <p:sp>
-        <p:nvSpPr>
-          <p:cNvPr id="31" name="Rounded Rectangle 30">
-            <a:extLst>
-              <a:ext uri="{FF2B5EF4-FFF2-40B4-BE49-F238E27FC236}">
-                <a16:creationId xmlns:a16="http://schemas.microsoft.com/office/drawing/2014/main" id="{876BF9D0-A8AE-7A4C-A727-B727D9878708}"/>
-              </a:ext>
-            </a:extLst>
-          </p:cNvPr>
-          <p:cNvSpPr/>
-          <p:nvPr/>
-        </p:nvSpPr>
-        <p:spPr>
-          <a:xfrm>
-            <a:off x="8503743" y="4584971"/>
+            <a:off x="8503743" y="4280169"/>
             <a:ext cx="3241040" cy="936788"/>
           </a:xfrm>
           <a:prstGeom prst="roundRect">
@@ -4649,16 +4602,16 @@
         </p:nvSpPr>
         <p:spPr>
           <a:xfrm>
-            <a:off x="8503743" y="5629691"/>
+            <a:off x="8503743" y="5324889"/>
             <a:ext cx="3241040" cy="936788"/>
           </a:xfrm>
           <a:prstGeom prst="roundRect">
             <a:avLst/>
           </a:prstGeom>
           <a:solidFill>
-            <a:schemeClr val="accent6">
-              <a:lumMod val="40000"/>
-              <a:lumOff val="60000"/>
+            <a:schemeClr val="accent2">
+              <a:lumMod val="20000"/>
+              <a:lumOff val="80000"/>
             </a:schemeClr>
           </a:solidFill>
         </p:spPr>
@@ -4701,7 +4654,7 @@
         </p:nvSpPr>
         <p:spPr>
           <a:xfrm>
-            <a:off x="10647146" y="4933984"/>
+            <a:off x="10647146" y="4629182"/>
             <a:ext cx="1240835" cy="246221"/>
           </a:xfrm>
           <a:prstGeom prst="rect">
@@ -4744,7 +4697,7 @@
         </p:nvSpPr>
         <p:spPr>
           <a:xfrm>
-            <a:off x="10647146" y="5966101"/>
+            <a:off x="10647146" y="5661299"/>
             <a:ext cx="1240835" cy="246221"/>
           </a:xfrm>
           <a:prstGeom prst="rect">
@@ -4768,99 +4721,7 @@
                 </a:solidFill>
                 <a:latin typeface="Sharp Grotesk DB Book 22" panose="020B0505050702030204" pitchFamily="34" charset="77"/>
               </a:rPr>
-              <a:t>Backup</a:t>
-            </a:r>
-          </a:p>
-        </p:txBody>
-      </p:sp>
-      <p:sp>
-        <p:nvSpPr>
-          <p:cNvPr id="47" name="Rounded Rectangle 46">
-            <a:extLst>
-              <a:ext uri="{FF2B5EF4-FFF2-40B4-BE49-F238E27FC236}">
-                <a16:creationId xmlns:a16="http://schemas.microsoft.com/office/drawing/2014/main" id="{2E6C0C02-5CF4-C548-954F-EEFA42957D46}"/>
-              </a:ext>
-            </a:extLst>
-          </p:cNvPr>
-          <p:cNvSpPr/>
-          <p:nvPr/>
-        </p:nvSpPr>
-        <p:spPr>
-          <a:xfrm>
-            <a:off x="5334874" y="4692199"/>
-            <a:ext cx="1662209" cy="1659119"/>
-          </a:xfrm>
-          <a:prstGeom prst="roundRect">
-            <a:avLst/>
-          </a:prstGeom>
-          <a:solidFill>
-            <a:srgbClr val="CFCDCD"/>
-          </a:solidFill>
-        </p:spPr>
-        <p:style>
-          <a:lnRef idx="2">
-            <a:schemeClr val="accent1">
-              <a:shade val="50000"/>
-            </a:schemeClr>
-          </a:lnRef>
-          <a:fillRef idx="1">
-            <a:schemeClr val="accent1"/>
-          </a:fillRef>
-          <a:effectRef idx="0">
-            <a:schemeClr val="accent1"/>
-          </a:effectRef>
-          <a:fontRef idx="minor">
-            <a:schemeClr val="lt1"/>
-          </a:fontRef>
-        </p:style>
-        <p:txBody>
-          <a:bodyPr rtlCol="0" anchor="ctr"/>
-          <a:lstStyle/>
-          <a:p>
-            <a:pPr algn="ctr"/>
-            <a:endParaRPr lang="en-US" dirty="0"/>
-          </a:p>
-        </p:txBody>
-      </p:sp>
-      <p:sp>
-        <p:nvSpPr>
-          <p:cNvPr id="48" name="TextBox 47">
-            <a:extLst>
-              <a:ext uri="{FF2B5EF4-FFF2-40B4-BE49-F238E27FC236}">
-                <a16:creationId xmlns:a16="http://schemas.microsoft.com/office/drawing/2014/main" id="{5BDE4ADD-48E3-274D-AE54-95B8F5609416}"/>
-              </a:ext>
-            </a:extLst>
-          </p:cNvPr>
-          <p:cNvSpPr txBox="1"/>
-          <p:nvPr/>
-        </p:nvSpPr>
-        <p:spPr>
-          <a:xfrm>
-            <a:off x="5550815" y="4751460"/>
-            <a:ext cx="1240835" cy="400110"/>
-          </a:xfrm>
-          <a:prstGeom prst="rect">
-            <a:avLst/>
-          </a:prstGeom>
-          <a:solidFill>
-            <a:srgbClr val="CFCDCD"/>
-          </a:solidFill>
-        </p:spPr>
-        <p:txBody>
-          <a:bodyPr vert="horz" wrap="square" rtlCol="0">
-            <a:spAutoFit/>
-          </a:bodyPr>
-          <a:lstStyle/>
-          <a:p>
-            <a:pPr algn="ctr"/>
-            <a:r>
-              <a:rPr lang="en-US" sz="1000" dirty="0">
-                <a:solidFill>
-                  <a:srgbClr val="003399"/>
-                </a:solidFill>
-                <a:latin typeface="Sharp Grotesk DB Book 22" panose="020B0505050702030204" pitchFamily="34" charset="77"/>
-              </a:rPr>
-              <a:t>Workflow Application</a:t>
+              <a:t>Workflow</a:t>
             </a:r>
           </a:p>
         </p:txBody>
@@ -4879,7 +4740,7 @@
         </p:nvCxnSpPr>
         <p:spPr>
           <a:xfrm flipH="1">
-            <a:off x="4618648" y="2377790"/>
+            <a:off x="4618648" y="3705846"/>
             <a:ext cx="460660" cy="0"/>
           </a:xfrm>
           <a:prstGeom prst="line">
@@ -4923,7 +4784,7 @@
         </p:nvCxnSpPr>
         <p:spPr>
           <a:xfrm flipV="1">
-            <a:off x="4608866" y="1847740"/>
+            <a:off x="4608866" y="1542938"/>
             <a:ext cx="0" cy="4250344"/>
           </a:xfrm>
           <a:prstGeom prst="line">
@@ -4968,7 +4829,7 @@
         </p:nvCxnSpPr>
         <p:spPr>
           <a:xfrm flipH="1">
-            <a:off x="7197707" y="2371526"/>
+            <a:off x="7197707" y="3699582"/>
             <a:ext cx="460660" cy="0"/>
           </a:xfrm>
           <a:prstGeom prst="line">
@@ -5013,7 +4874,7 @@
         </p:nvCxnSpPr>
         <p:spPr>
           <a:xfrm flipV="1">
-            <a:off x="7666638" y="1847740"/>
+            <a:off x="7666638" y="1542938"/>
             <a:ext cx="0" cy="4250344"/>
           </a:xfrm>
           <a:prstGeom prst="line">
@@ -5056,7 +4917,7 @@
         </p:nvCxnSpPr>
         <p:spPr>
           <a:xfrm flipH="1">
-            <a:off x="3962400" y="1850523"/>
+            <a:off x="3962400" y="1545721"/>
             <a:ext cx="646466" cy="0"/>
           </a:xfrm>
           <a:prstGeom prst="line">
@@ -5101,7 +4962,7 @@
         </p:nvCxnSpPr>
         <p:spPr>
           <a:xfrm flipH="1">
-            <a:off x="3972182" y="2950498"/>
+            <a:off x="3972182" y="2645696"/>
             <a:ext cx="646466" cy="0"/>
           </a:xfrm>
           <a:prstGeom prst="line">
@@ -5146,7 +5007,7 @@
         </p:nvCxnSpPr>
         <p:spPr>
           <a:xfrm flipH="1">
-            <a:off x="3972182" y="4008645"/>
+            <a:off x="3972182" y="3703843"/>
             <a:ext cx="646466" cy="0"/>
           </a:xfrm>
           <a:prstGeom prst="line">
@@ -5191,7 +5052,7 @@
         </p:nvCxnSpPr>
         <p:spPr>
           <a:xfrm flipH="1">
-            <a:off x="3972182" y="5038491"/>
+            <a:off x="3972182" y="4733689"/>
             <a:ext cx="646466" cy="0"/>
           </a:xfrm>
           <a:prstGeom prst="line">
@@ -5236,7 +5097,7 @@
         </p:nvCxnSpPr>
         <p:spPr>
           <a:xfrm flipH="1">
-            <a:off x="3972182" y="6096865"/>
+            <a:off x="3972182" y="5792063"/>
             <a:ext cx="646466" cy="0"/>
           </a:xfrm>
           <a:prstGeom prst="line">
@@ -5281,7 +5142,7 @@
         </p:nvCxnSpPr>
         <p:spPr>
           <a:xfrm flipH="1">
-            <a:off x="7666638" y="1847740"/>
+            <a:off x="7666638" y="1542938"/>
             <a:ext cx="622783" cy="0"/>
           </a:xfrm>
           <a:prstGeom prst="line">
@@ -5326,7 +5187,7 @@
         </p:nvCxnSpPr>
         <p:spPr>
           <a:xfrm flipH="1">
-            <a:off x="7672571" y="2964183"/>
+            <a:off x="7672571" y="2659381"/>
             <a:ext cx="622783" cy="0"/>
           </a:xfrm>
           <a:prstGeom prst="line">
@@ -5371,7 +5232,7 @@
         </p:nvCxnSpPr>
         <p:spPr>
           <a:xfrm flipH="1">
-            <a:off x="7658367" y="5048376"/>
+            <a:off x="7658367" y="4743574"/>
             <a:ext cx="622783" cy="0"/>
           </a:xfrm>
           <a:prstGeom prst="line">
@@ -5416,7 +5277,7 @@
         </p:nvCxnSpPr>
         <p:spPr>
           <a:xfrm flipH="1">
-            <a:off x="7666540" y="6096865"/>
+            <a:off x="7666540" y="5792063"/>
             <a:ext cx="622783" cy="0"/>
           </a:xfrm>
           <a:prstGeom prst="line">
@@ -5447,10 +5308,10 @@
       </p:cxnSp>
       <p:sp>
         <p:nvSpPr>
-          <p:cNvPr id="82" name="Up-down Arrow 81">
-            <a:extLst>
-              <a:ext uri="{FF2B5EF4-FFF2-40B4-BE49-F238E27FC236}">
-                <a16:creationId xmlns:a16="http://schemas.microsoft.com/office/drawing/2014/main" id="{832775B8-9F71-4A46-ABCD-8207D3B4BBA6}"/>
+          <p:cNvPr id="46" name="Rounded Rectangle 45">
+            <a:extLst>
+              <a:ext uri="{FF2B5EF4-FFF2-40B4-BE49-F238E27FC236}">
+                <a16:creationId xmlns:a16="http://schemas.microsoft.com/office/drawing/2014/main" id="{4BA01C7A-306A-684F-8649-9DD59039F55B}"/>
               </a:ext>
             </a:extLst>
           </p:cNvPr>
@@ -5459,18 +5320,18 @@
         </p:nvSpPr>
         <p:spPr>
           <a:xfrm>
-            <a:off x="5958764" y="3571414"/>
-            <a:ext cx="395086" cy="1007925"/>
-          </a:xfrm>
-          <a:prstGeom prst="upDownArrow">
+            <a:off x="8503743" y="3235449"/>
+            <a:ext cx="3241040" cy="936788"/>
+          </a:xfrm>
+          <a:prstGeom prst="roundRect">
             <a:avLst/>
           </a:prstGeom>
           <a:solidFill>
-            <a:srgbClr val="0061FF"/>
+            <a:schemeClr val="accent4">
+              <a:lumMod val="20000"/>
+              <a:lumOff val="80000"/>
+            </a:schemeClr>
           </a:solidFill>
-          <a:ln>
-            <a:noFill/>
-          </a:ln>
         </p:spPr>
         <p:style>
           <a:lnRef idx="2">
@@ -5497,6 +5358,94 @@
           </a:p>
         </p:txBody>
       </p:sp>
+      <p:sp>
+        <p:nvSpPr>
+          <p:cNvPr id="49" name="TextBox 48">
+            <a:extLst>
+              <a:ext uri="{FF2B5EF4-FFF2-40B4-BE49-F238E27FC236}">
+                <a16:creationId xmlns:a16="http://schemas.microsoft.com/office/drawing/2014/main" id="{90F13030-7855-4C41-9759-6357865D4568}"/>
+              </a:ext>
+            </a:extLst>
+          </p:cNvPr>
+          <p:cNvSpPr txBox="1"/>
+          <p:nvPr/>
+        </p:nvSpPr>
+        <p:spPr>
+          <a:xfrm>
+            <a:off x="10640930" y="3600419"/>
+            <a:ext cx="1240835" cy="246221"/>
+          </a:xfrm>
+          <a:prstGeom prst="rect">
+            <a:avLst/>
+          </a:prstGeom>
+          <a:noFill/>
+        </p:spPr>
+        <p:txBody>
+          <a:bodyPr vert="horz" wrap="square" rtlCol="0">
+            <a:spAutoFit/>
+          </a:bodyPr>
+          <a:lstStyle/>
+          <a:p>
+            <a:pPr algn="ctr"/>
+            <a:r>
+              <a:rPr lang="en-US" sz="1000" dirty="0">
+                <a:solidFill>
+                  <a:schemeClr val="bg2">
+                    <a:lumMod val="50000"/>
+                  </a:schemeClr>
+                </a:solidFill>
+                <a:latin typeface="Sharp Grotesk DB Book 22" panose="020B0505050702030204" pitchFamily="34" charset="77"/>
+              </a:rPr>
+              <a:t>Meetings</a:t>
+            </a:r>
+          </a:p>
+        </p:txBody>
+      </p:sp>
+      <p:cxnSp>
+        <p:nvCxnSpPr>
+          <p:cNvPr id="60" name="Straight Connector 59">
+            <a:extLst>
+              <a:ext uri="{FF2B5EF4-FFF2-40B4-BE49-F238E27FC236}">
+                <a16:creationId xmlns:a16="http://schemas.microsoft.com/office/drawing/2014/main" id="{99E3EC9B-0293-AF43-B10F-04D313F74E32}"/>
+              </a:ext>
+            </a:extLst>
+          </p:cNvPr>
+          <p:cNvCxnSpPr>
+            <a:cxnSpLocks/>
+          </p:cNvCxnSpPr>
+          <p:nvPr/>
+        </p:nvCxnSpPr>
+        <p:spPr>
+          <a:xfrm flipH="1">
+            <a:off x="7666540" y="3707110"/>
+            <a:ext cx="622783" cy="0"/>
+          </a:xfrm>
+          <a:prstGeom prst="line">
+            <a:avLst/>
+          </a:prstGeom>
+          <a:ln w="31750">
+            <a:solidFill>
+              <a:srgbClr val="003399"/>
+            </a:solidFill>
+            <a:headEnd type="triangle"/>
+            <a:tailEnd type="none"/>
+          </a:ln>
+        </p:spPr>
+        <p:style>
+          <a:lnRef idx="1">
+            <a:schemeClr val="accent1"/>
+          </a:lnRef>
+          <a:fillRef idx="0">
+            <a:schemeClr val="accent1"/>
+          </a:fillRef>
+          <a:effectRef idx="0">
+            <a:schemeClr val="accent1"/>
+          </a:effectRef>
+          <a:fontRef idx="minor">
+            <a:schemeClr val="tx1"/>
+          </a:fontRef>
+        </p:style>
+      </p:cxnSp>
     </p:spTree>
     <p:extLst>
       <p:ext uri="{BB962C8B-B14F-4D97-AF65-F5344CB8AC3E}">
